--- a/term/2018_2dgp_2차발표_김연수.pptx
+++ b/term/2018_2dgp_2차발표_김연수.pptx
@@ -5,10 +5,10 @@
     <p:sldMasterId id="2147483648" r:id="rId1"/>
   </p:sldMasterIdLst>
   <p:notesMasterIdLst>
-    <p:notesMasterId r:id="rId8"/>
+    <p:notesMasterId r:id="rId11"/>
   </p:notesMasterIdLst>
   <p:handoutMasterIdLst>
-    <p:handoutMasterId r:id="rId9"/>
+    <p:handoutMasterId r:id="rId12"/>
   </p:handoutMasterIdLst>
   <p:sldIdLst>
     <p:sldId id="256" r:id="rId2"/>
@@ -16,7 +16,10 @@
     <p:sldId id="270" r:id="rId4"/>
     <p:sldId id="272" r:id="rId5"/>
     <p:sldId id="273" r:id="rId6"/>
-    <p:sldId id="267" r:id="rId7"/>
+    <p:sldId id="274" r:id="rId7"/>
+    <p:sldId id="275" r:id="rId8"/>
+    <p:sldId id="276" r:id="rId9"/>
+    <p:sldId id="267" r:id="rId10"/>
   </p:sldIdLst>
   <p:sldSz cx="12192000" cy="6858000"/>
   <p:notesSz cx="6858000" cy="9144000"/>
@@ -126,6 +129,184 @@
 </p:presentation>
 </file>
 
+<file path=ppt/changesInfos/changesInfo1.xml><?xml version="1.0" encoding="utf-8"?>
+<pc:chgInfo xmlns:a="http://schemas.openxmlformats.org/drawingml/2006/main" xmlns:r="http://schemas.openxmlformats.org/officeDocument/2006/relationships" xmlns:ac="http://schemas.microsoft.com/office/drawing/2013/main/command" xmlns:pc="http://schemas.microsoft.com/office/powerpoint/2013/main/command">
+  <pc:docChgLst>
+    <pc:chgData name="김연수" userId="S::dustn9401@kpu.ac.kr::add142bc-ea56-4b44-ac0d-0129dc27d7b2" providerId="AD" clId="Web-{DAC5D4EA-C8B9-1F4D-AB33-9A9435C5B9D1}"/>
+    <pc:docChg chg="addSld modSld sldOrd">
+      <pc:chgData name="김연수" userId="S::dustn9401@kpu.ac.kr::add142bc-ea56-4b44-ac0d-0129dc27d7b2" providerId="AD" clId="Web-{DAC5D4EA-C8B9-1F4D-AB33-9A9435C5B9D1}" dt="2018-10-23T03:36:27.496" v="107" actId="20577"/>
+      <pc:docMkLst>
+        <pc:docMk/>
+      </pc:docMkLst>
+      <pc:sldChg chg="ord">
+        <pc:chgData name="김연수" userId="S::dustn9401@kpu.ac.kr::add142bc-ea56-4b44-ac0d-0129dc27d7b2" providerId="AD" clId="Web-{DAC5D4EA-C8B9-1F4D-AB33-9A9435C5B9D1}" dt="2018-10-23T03:34:24.576" v="40"/>
+        <pc:sldMkLst>
+          <pc:docMk/>
+          <pc:sldMk cId="1470882181" sldId="267"/>
+        </pc:sldMkLst>
+      </pc:sldChg>
+      <pc:sldChg chg="addSp delSp modSp new ord">
+        <pc:chgData name="김연수" userId="S::dustn9401@kpu.ac.kr::add142bc-ea56-4b44-ac0d-0129dc27d7b2" providerId="AD" clId="Web-{DAC5D4EA-C8B9-1F4D-AB33-9A9435C5B9D1}" dt="2018-10-23T03:35:19.747" v="68" actId="1076"/>
+        <pc:sldMkLst>
+          <pc:docMk/>
+          <pc:sldMk cId="1804497974" sldId="274"/>
+        </pc:sldMkLst>
+        <pc:spChg chg="del">
+          <ac:chgData name="김연수" userId="S::dustn9401@kpu.ac.kr::add142bc-ea56-4b44-ac0d-0129dc27d7b2" providerId="AD" clId="Web-{DAC5D4EA-C8B9-1F4D-AB33-9A9435C5B9D1}" dt="2018-10-23T03:32:06.672" v="3"/>
+          <ac:spMkLst>
+            <pc:docMk/>
+            <pc:sldMk cId="1804497974" sldId="274"/>
+            <ac:spMk id="2" creationId="{4A1BC95E-446D-4F7F-B26D-128FC357C23A}"/>
+          </ac:spMkLst>
+        </pc:spChg>
+        <pc:spChg chg="del">
+          <ac:chgData name="김연수" userId="S::dustn9401@kpu.ac.kr::add142bc-ea56-4b44-ac0d-0129dc27d7b2" providerId="AD" clId="Web-{DAC5D4EA-C8B9-1F4D-AB33-9A9435C5B9D1}" dt="2018-10-23T03:32:04.890" v="2"/>
+          <ac:spMkLst>
+            <pc:docMk/>
+            <pc:sldMk cId="1804497974" sldId="274"/>
+            <ac:spMk id="3" creationId="{914A01A3-128E-49DE-AAD2-6A9EE4C99400}"/>
+          </ac:spMkLst>
+        </pc:spChg>
+        <pc:spChg chg="del">
+          <ac:chgData name="김연수" userId="S::dustn9401@kpu.ac.kr::add142bc-ea56-4b44-ac0d-0129dc27d7b2" providerId="AD" clId="Web-{DAC5D4EA-C8B9-1F4D-AB33-9A9435C5B9D1}" dt="2018-10-23T03:32:07.922" v="4"/>
+          <ac:spMkLst>
+            <pc:docMk/>
+            <pc:sldMk cId="1804497974" sldId="274"/>
+            <ac:spMk id="4" creationId="{14B56381-FADF-497A-BAF0-C7684C68A290}"/>
+          </ac:spMkLst>
+        </pc:spChg>
+        <pc:spChg chg="add mod">
+          <ac:chgData name="김연수" userId="S::dustn9401@kpu.ac.kr::add142bc-ea56-4b44-ac0d-0129dc27d7b2" providerId="AD" clId="Web-{DAC5D4EA-C8B9-1F4D-AB33-9A9435C5B9D1}" dt="2018-10-23T03:33:57.701" v="34" actId="1076"/>
+          <ac:spMkLst>
+            <pc:docMk/>
+            <pc:sldMk cId="1804497974" sldId="274"/>
+            <ac:spMk id="11" creationId="{A6DF5E5E-612B-4496-8C6C-EE057B571A34}"/>
+          </ac:spMkLst>
+        </pc:spChg>
+        <pc:spChg chg="add del">
+          <ac:chgData name="김연수" userId="S::dustn9401@kpu.ac.kr::add142bc-ea56-4b44-ac0d-0129dc27d7b2" providerId="AD" clId="Web-{DAC5D4EA-C8B9-1F4D-AB33-9A9435C5B9D1}" dt="2018-10-23T03:33:28.625" v="16"/>
+          <ac:spMkLst>
+            <pc:docMk/>
+            <pc:sldMk cId="1804497974" sldId="274"/>
+            <ac:spMk id="12" creationId="{88B93608-E99A-4FAC-A2E8-AFA96ABE9A54}"/>
+          </ac:spMkLst>
+        </pc:spChg>
+        <pc:spChg chg="add mod">
+          <ac:chgData name="김연수" userId="S::dustn9401@kpu.ac.kr::add142bc-ea56-4b44-ac0d-0129dc27d7b2" providerId="AD" clId="Web-{DAC5D4EA-C8B9-1F4D-AB33-9A9435C5B9D1}" dt="2018-10-23T03:35:17.622" v="65" actId="20577"/>
+          <ac:spMkLst>
+            <pc:docMk/>
+            <pc:sldMk cId="1804497974" sldId="274"/>
+            <ac:spMk id="14" creationId="{D16FA59E-1893-4C45-B8E8-1668C0479900}"/>
+          </ac:spMkLst>
+        </pc:spChg>
+        <pc:picChg chg="add mod">
+          <ac:chgData name="김연수" userId="S::dustn9401@kpu.ac.kr::add142bc-ea56-4b44-ac0d-0129dc27d7b2" providerId="AD" clId="Web-{DAC5D4EA-C8B9-1F4D-AB33-9A9435C5B9D1}" dt="2018-10-23T03:35:19.747" v="68" actId="1076"/>
+          <ac:picMkLst>
+            <pc:docMk/>
+            <pc:sldMk cId="1804497974" sldId="274"/>
+            <ac:picMk id="5" creationId="{1D676F37-D85E-4C29-A45A-524117C105ED}"/>
+          </ac:picMkLst>
+        </pc:picChg>
+        <pc:picChg chg="add del mod">
+          <ac:chgData name="김연수" userId="S::dustn9401@kpu.ac.kr::add142bc-ea56-4b44-ac0d-0129dc27d7b2" providerId="AD" clId="Web-{DAC5D4EA-C8B9-1F4D-AB33-9A9435C5B9D1}" dt="2018-10-23T03:34:32.045" v="42"/>
+          <ac:picMkLst>
+            <pc:docMk/>
+            <pc:sldMk cId="1804497974" sldId="274"/>
+            <ac:picMk id="7" creationId="{AD6F1099-4F02-4A61-A9D2-F7F7ED89FA44}"/>
+          </ac:picMkLst>
+        </pc:picChg>
+        <pc:picChg chg="add del mod">
+          <ac:chgData name="김연수" userId="S::dustn9401@kpu.ac.kr::add142bc-ea56-4b44-ac0d-0129dc27d7b2" providerId="AD" clId="Web-{DAC5D4EA-C8B9-1F4D-AB33-9A9435C5B9D1}" dt="2018-10-23T03:34:38.341" v="44"/>
+          <ac:picMkLst>
+            <pc:docMk/>
+            <pc:sldMk cId="1804497974" sldId="274"/>
+            <ac:picMk id="9" creationId="{46DEEB74-C794-413A-A244-5E4E075E2F44}"/>
+          </ac:picMkLst>
+        </pc:picChg>
+      </pc:sldChg>
+      <pc:sldChg chg="addSp delSp modSp new ord">
+        <pc:chgData name="김연수" userId="S::dustn9401@kpu.ac.kr::add142bc-ea56-4b44-ac0d-0129dc27d7b2" providerId="AD" clId="Web-{DAC5D4EA-C8B9-1F4D-AB33-9A9435C5B9D1}" dt="2018-10-23T03:36:27.371" v="105" actId="20577"/>
+        <pc:sldMkLst>
+          <pc:docMk/>
+          <pc:sldMk cId="3568632175" sldId="275"/>
+        </pc:sldMkLst>
+        <pc:spChg chg="mod">
+          <ac:chgData name="김연수" userId="S::dustn9401@kpu.ac.kr::add142bc-ea56-4b44-ac0d-0129dc27d7b2" providerId="AD" clId="Web-{DAC5D4EA-C8B9-1F4D-AB33-9A9435C5B9D1}" dt="2018-10-23T03:35:40.528" v="72" actId="1076"/>
+          <ac:spMkLst>
+            <pc:docMk/>
+            <pc:sldMk cId="3568632175" sldId="275"/>
+            <ac:spMk id="2" creationId="{314A72D1-5D55-4C3A-AD59-17BB8C1D2EFA}"/>
+          </ac:spMkLst>
+        </pc:spChg>
+        <pc:spChg chg="del">
+          <ac:chgData name="김연수" userId="S::dustn9401@kpu.ac.kr::add142bc-ea56-4b44-ac0d-0129dc27d7b2" providerId="AD" clId="Web-{DAC5D4EA-C8B9-1F4D-AB33-9A9435C5B9D1}" dt="2018-10-23T03:34:36.248" v="43"/>
+          <ac:spMkLst>
+            <pc:docMk/>
+            <pc:sldMk cId="3568632175" sldId="275"/>
+            <ac:spMk id="3" creationId="{C65687A5-5309-4A68-B791-0BE997ED53F2}"/>
+          </ac:spMkLst>
+        </pc:spChg>
+        <pc:spChg chg="mod">
+          <ac:chgData name="김연수" userId="S::dustn9401@kpu.ac.kr::add142bc-ea56-4b44-ac0d-0129dc27d7b2" providerId="AD" clId="Web-{DAC5D4EA-C8B9-1F4D-AB33-9A9435C5B9D1}" dt="2018-10-23T03:36:27.371" v="105" actId="20577"/>
+          <ac:spMkLst>
+            <pc:docMk/>
+            <pc:sldMk cId="3568632175" sldId="275"/>
+            <ac:spMk id="4" creationId="{4D74452B-1945-4F13-8805-95627CD6869B}"/>
+          </ac:spMkLst>
+        </pc:spChg>
+        <pc:picChg chg="add mod ord">
+          <ac:chgData name="김연수" userId="S::dustn9401@kpu.ac.kr::add142bc-ea56-4b44-ac0d-0129dc27d7b2" providerId="AD" clId="Web-{DAC5D4EA-C8B9-1F4D-AB33-9A9435C5B9D1}" dt="2018-10-23T03:35:36.028" v="71" actId="1076"/>
+          <ac:picMkLst>
+            <pc:docMk/>
+            <pc:sldMk cId="3568632175" sldId="275"/>
+            <ac:picMk id="5" creationId="{077EC9AA-D9A8-4BAC-A627-BF3BFBF38A3C}"/>
+          </ac:picMkLst>
+        </pc:picChg>
+      </pc:sldChg>
+      <pc:sldChg chg="addSp delSp modSp new">
+        <pc:chgData name="김연수" userId="S::dustn9401@kpu.ac.kr::add142bc-ea56-4b44-ac0d-0129dc27d7b2" providerId="AD" clId="Web-{DAC5D4EA-C8B9-1F4D-AB33-9A9435C5B9D1}" dt="2018-10-23T03:36:09.200" v="95" actId="20577"/>
+        <pc:sldMkLst>
+          <pc:docMk/>
+          <pc:sldMk cId="3202792734" sldId="276"/>
+        </pc:sldMkLst>
+        <pc:spChg chg="mod">
+          <ac:chgData name="김연수" userId="S::dustn9401@kpu.ac.kr::add142bc-ea56-4b44-ac0d-0129dc27d7b2" providerId="AD" clId="Web-{DAC5D4EA-C8B9-1F4D-AB33-9A9435C5B9D1}" dt="2018-10-23T03:35:53.903" v="74" actId="1076"/>
+          <ac:spMkLst>
+            <pc:docMk/>
+            <pc:sldMk cId="3202792734" sldId="276"/>
+            <ac:spMk id="2" creationId="{A296DD4C-2660-4076-AF82-36115007F994}"/>
+          </ac:spMkLst>
+        </pc:spChg>
+        <pc:spChg chg="del">
+          <ac:chgData name="김연수" userId="S::dustn9401@kpu.ac.kr::add142bc-ea56-4b44-ac0d-0129dc27d7b2" providerId="AD" clId="Web-{DAC5D4EA-C8B9-1F4D-AB33-9A9435C5B9D1}" dt="2018-10-23T03:34:40.357" v="45"/>
+          <ac:spMkLst>
+            <pc:docMk/>
+            <pc:sldMk cId="3202792734" sldId="276"/>
+            <ac:spMk id="3" creationId="{6D69683C-AFAF-4046-9C77-0B8A8543F317}"/>
+          </ac:spMkLst>
+        </pc:spChg>
+        <pc:spChg chg="mod">
+          <ac:chgData name="김연수" userId="S::dustn9401@kpu.ac.kr::add142bc-ea56-4b44-ac0d-0129dc27d7b2" providerId="AD" clId="Web-{DAC5D4EA-C8B9-1F4D-AB33-9A9435C5B9D1}" dt="2018-10-23T03:36:09.200" v="95" actId="20577"/>
+          <ac:spMkLst>
+            <pc:docMk/>
+            <pc:sldMk cId="3202792734" sldId="276"/>
+            <ac:spMk id="4" creationId="{798A9D1B-A604-47C1-84E5-AD5702EB7577}"/>
+          </ac:spMkLst>
+        </pc:spChg>
+        <pc:picChg chg="add mod ord">
+          <ac:chgData name="김연수" userId="S::dustn9401@kpu.ac.kr::add142bc-ea56-4b44-ac0d-0129dc27d7b2" providerId="AD" clId="Web-{DAC5D4EA-C8B9-1F4D-AB33-9A9435C5B9D1}" dt="2018-10-23T03:35:47.278" v="73" actId="1076"/>
+          <ac:picMkLst>
+            <pc:docMk/>
+            <pc:sldMk cId="3202792734" sldId="276"/>
+            <ac:picMk id="5" creationId="{F4A07BCB-89AA-4601-AC37-ED3B0361CED6}"/>
+          </ac:picMkLst>
+        </pc:picChg>
+      </pc:sldChg>
+    </pc:docChg>
+  </pc:docChgLst>
+</pc:chgInfo>
+</file>
+
 <file path=ppt/handoutMasters/handoutMaster1.xml><?xml version="1.0" encoding="utf-8"?>
 <p:handoutMaster xmlns:a="http://schemas.openxmlformats.org/drawingml/2006/main" xmlns:r="http://schemas.openxmlformats.org/officeDocument/2006/relationships" xmlns:p="http://schemas.openxmlformats.org/presentationml/2006/main">
   <p:cSld>
@@ -469,38 +650,37 @@
           <a:p>
             <a:pPr lvl="0" rtl="0"/>
             <a:r>
-              <a:rPr lang="ko-KR" altLang="en-US" dirty="0" smtClean="0"/>
+              <a:rPr lang="ko-KR" altLang="en-US" dirty="0"/>
               <a:t>마스터 텍스트 스타일 편집</a:t>
             </a:r>
           </a:p>
           <a:p>
             <a:pPr lvl="1" rtl="0"/>
             <a:r>
-              <a:rPr lang="ko-KR" altLang="en-US" dirty="0" smtClean="0"/>
+              <a:rPr lang="ko-KR" altLang="en-US" dirty="0"/>
               <a:t>둘째 수준</a:t>
             </a:r>
           </a:p>
           <a:p>
             <a:pPr lvl="2" rtl="0"/>
             <a:r>
-              <a:rPr lang="ko-KR" altLang="en-US" dirty="0" smtClean="0"/>
+              <a:rPr lang="ko-KR" altLang="en-US" dirty="0"/>
               <a:t>셋째 수준</a:t>
             </a:r>
           </a:p>
           <a:p>
             <a:pPr lvl="3" rtl="0"/>
             <a:r>
-              <a:rPr lang="ko-KR" altLang="en-US" dirty="0" smtClean="0"/>
+              <a:rPr lang="ko-KR" altLang="en-US" dirty="0"/>
               <a:t>넷째 수준</a:t>
             </a:r>
           </a:p>
           <a:p>
             <a:pPr lvl="4" rtl="0"/>
             <a:r>
-              <a:rPr lang="ko-KR" altLang="en-US" dirty="0" smtClean="0"/>
+              <a:rPr lang="ko-KR" altLang="en-US" dirty="0"/>
               <a:t>다섯째 수준</a:t>
             </a:r>
-            <a:endParaRPr lang="ko-KR" altLang="en-US" dirty="0"/>
           </a:p>
         </p:txBody>
       </p:sp>
@@ -1264,7 +1444,7 @@
           <a:p>
             <a:pPr rtl="0"/>
             <a:r>
-              <a:rPr lang="ko-KR" altLang="en-US" noProof="0" smtClean="0"/>
+              <a:rPr lang="ko-KR" altLang="en-US" noProof="0"/>
               <a:t>마스터 제목 스타일 편집</a:t>
             </a:r>
             <a:endParaRPr lang="ko-KR" altLang="en-US" noProof="0" dirty="0"/>
@@ -1337,7 +1517,7 @@
           <a:p>
             <a:pPr rtl="0"/>
             <a:r>
-              <a:rPr lang="ko-KR" altLang="en-US" noProof="0" smtClean="0"/>
+              <a:rPr lang="ko-KR" altLang="en-US" noProof="0"/>
               <a:t>클릭하여 마스터 부제목 스타일 편집</a:t>
             </a:r>
             <a:endParaRPr lang="ko-KR" altLang="en-US" noProof="0" dirty="0"/>
@@ -1464,7 +1644,7 @@
           <a:p>
             <a:pPr rtl="0"/>
             <a:r>
-              <a:rPr lang="ko-KR" altLang="en-US" smtClean="0"/>
+              <a:rPr lang="ko-KR" altLang="en-US"/>
               <a:t>마스터 제목 스타일 편집</a:t>
             </a:r>
             <a:endParaRPr lang="ko-KR" altLang="en-US" dirty="0"/>
@@ -1488,35 +1668,35 @@
           <a:p>
             <a:pPr lvl="0" rtl="0"/>
             <a:r>
-              <a:rPr lang="ko-KR" altLang="en-US" smtClean="0"/>
+              <a:rPr lang="ko-KR" altLang="en-US"/>
               <a:t>마스터 텍스트 스타일 편집</a:t>
             </a:r>
           </a:p>
           <a:p>
             <a:pPr lvl="1" rtl="0"/>
             <a:r>
-              <a:rPr lang="ko-KR" altLang="en-US" smtClean="0"/>
+              <a:rPr lang="ko-KR" altLang="en-US"/>
               <a:t>둘째 수준</a:t>
             </a:r>
           </a:p>
           <a:p>
             <a:pPr lvl="2" rtl="0"/>
             <a:r>
-              <a:rPr lang="ko-KR" altLang="en-US" smtClean="0"/>
+              <a:rPr lang="ko-KR" altLang="en-US"/>
               <a:t>셋째 수준</a:t>
             </a:r>
           </a:p>
           <a:p>
             <a:pPr lvl="3" rtl="0"/>
             <a:r>
-              <a:rPr lang="ko-KR" altLang="en-US" smtClean="0"/>
+              <a:rPr lang="ko-KR" altLang="en-US"/>
               <a:t>넷째 수준</a:t>
             </a:r>
           </a:p>
           <a:p>
             <a:pPr lvl="4" rtl="0"/>
             <a:r>
-              <a:rPr lang="ko-KR" altLang="en-US" smtClean="0"/>
+              <a:rPr lang="ko-KR" altLang="en-US"/>
               <a:t>다섯째 수준</a:t>
             </a:r>
             <a:endParaRPr lang="ko-KR" altLang="en-US" dirty="0"/>
@@ -1647,7 +1827,7 @@
           <a:p>
             <a:pPr rtl="0"/>
             <a:r>
-              <a:rPr lang="ko-KR" altLang="en-US" smtClean="0"/>
+              <a:rPr lang="ko-KR" altLang="en-US"/>
               <a:t>마스터 제목 스타일 편집</a:t>
             </a:r>
             <a:endParaRPr lang="ko-KR" altLang="en-US" dirty="0"/>
@@ -1676,35 +1856,35 @@
           <a:p>
             <a:pPr lvl="0" rtl="0"/>
             <a:r>
-              <a:rPr lang="ko-KR" altLang="en-US" smtClean="0"/>
+              <a:rPr lang="ko-KR" altLang="en-US"/>
               <a:t>마스터 텍스트 스타일 편집</a:t>
             </a:r>
           </a:p>
           <a:p>
             <a:pPr lvl="1" rtl="0"/>
             <a:r>
-              <a:rPr lang="ko-KR" altLang="en-US" smtClean="0"/>
+              <a:rPr lang="ko-KR" altLang="en-US"/>
               <a:t>둘째 수준</a:t>
             </a:r>
           </a:p>
           <a:p>
             <a:pPr lvl="2" rtl="0"/>
             <a:r>
-              <a:rPr lang="ko-KR" altLang="en-US" smtClean="0"/>
+              <a:rPr lang="ko-KR" altLang="en-US"/>
               <a:t>셋째 수준</a:t>
             </a:r>
           </a:p>
           <a:p>
             <a:pPr lvl="3" rtl="0"/>
             <a:r>
-              <a:rPr lang="ko-KR" altLang="en-US" smtClean="0"/>
+              <a:rPr lang="ko-KR" altLang="en-US"/>
               <a:t>넷째 수준</a:t>
             </a:r>
           </a:p>
           <a:p>
             <a:pPr lvl="4" rtl="0"/>
             <a:r>
-              <a:rPr lang="ko-KR" altLang="en-US" smtClean="0"/>
+              <a:rPr lang="ko-KR" altLang="en-US"/>
               <a:t>다섯째 수준</a:t>
             </a:r>
             <a:endParaRPr lang="ko-KR" altLang="en-US" dirty="0"/>
@@ -1846,7 +2026,7 @@
           <a:p>
             <a:pPr rtl="0"/>
             <a:r>
-              <a:rPr lang="ko-KR" altLang="en-US" smtClean="0"/>
+              <a:rPr lang="ko-KR" altLang="en-US"/>
               <a:t>마스터 제목 스타일 편집</a:t>
             </a:r>
             <a:endParaRPr lang="ko-KR" altLang="en-US" dirty="0"/>
@@ -1870,35 +2050,35 @@
           <a:p>
             <a:pPr lvl="0" rtl="0"/>
             <a:r>
-              <a:rPr lang="ko-KR" altLang="en-US" smtClean="0"/>
+              <a:rPr lang="ko-KR" altLang="en-US"/>
               <a:t>마스터 텍스트 스타일 편집</a:t>
             </a:r>
           </a:p>
           <a:p>
             <a:pPr lvl="1" rtl="0"/>
             <a:r>
-              <a:rPr lang="ko-KR" altLang="en-US" smtClean="0"/>
+              <a:rPr lang="ko-KR" altLang="en-US"/>
               <a:t>둘째 수준</a:t>
             </a:r>
           </a:p>
           <a:p>
             <a:pPr lvl="2" rtl="0"/>
             <a:r>
-              <a:rPr lang="ko-KR" altLang="en-US" smtClean="0"/>
+              <a:rPr lang="ko-KR" altLang="en-US"/>
               <a:t>셋째 수준</a:t>
             </a:r>
           </a:p>
           <a:p>
             <a:pPr lvl="3" rtl="0"/>
             <a:r>
-              <a:rPr lang="ko-KR" altLang="en-US" smtClean="0"/>
+              <a:rPr lang="ko-KR" altLang="en-US"/>
               <a:t>넷째 수준</a:t>
             </a:r>
           </a:p>
           <a:p>
             <a:pPr lvl="4" rtl="0"/>
             <a:r>
-              <a:rPr lang="ko-KR" altLang="en-US" smtClean="0"/>
+              <a:rPr lang="ko-KR" altLang="en-US"/>
               <a:t>다섯째 수준</a:t>
             </a:r>
             <a:endParaRPr lang="ko-KR" altLang="en-US" dirty="0"/>
@@ -2049,7 +2229,7 @@
           <a:p>
             <a:pPr rtl="0"/>
             <a:r>
-              <a:rPr lang="ko-KR" altLang="en-US" smtClean="0"/>
+              <a:rPr lang="ko-KR" altLang="en-US"/>
               <a:t>마스터 제목 스타일 편집</a:t>
             </a:r>
             <a:endParaRPr lang="ko-KR" altLang="en-US" dirty="0"/>
@@ -2169,7 +2349,7 @@
           <a:p>
             <a:pPr lvl="0" rtl="0"/>
             <a:r>
-              <a:rPr lang="ko-KR" altLang="en-US" smtClean="0"/>
+              <a:rPr lang="ko-KR" altLang="en-US"/>
               <a:t>마스터 텍스트 스타일 편집</a:t>
             </a:r>
           </a:p>
@@ -2294,7 +2474,7 @@
           <a:p>
             <a:pPr rtl="0"/>
             <a:r>
-              <a:rPr lang="ko-KR" altLang="en-US" smtClean="0"/>
+              <a:rPr lang="ko-KR" altLang="en-US"/>
               <a:t>마스터 제목 스타일 편집</a:t>
             </a:r>
             <a:endParaRPr lang="ko-KR" altLang="en-US" dirty="0"/>
@@ -2323,35 +2503,35 @@
           <a:p>
             <a:pPr lvl="0" rtl="0"/>
             <a:r>
-              <a:rPr lang="ko-KR" altLang="en-US" smtClean="0"/>
+              <a:rPr lang="ko-KR" altLang="en-US"/>
               <a:t>마스터 텍스트 스타일 편집</a:t>
             </a:r>
           </a:p>
           <a:p>
             <a:pPr lvl="1" rtl="0"/>
             <a:r>
-              <a:rPr lang="ko-KR" altLang="en-US" smtClean="0"/>
+              <a:rPr lang="ko-KR" altLang="en-US"/>
               <a:t>둘째 수준</a:t>
             </a:r>
           </a:p>
           <a:p>
             <a:pPr lvl="2" rtl="0"/>
             <a:r>
-              <a:rPr lang="ko-KR" altLang="en-US" smtClean="0"/>
+              <a:rPr lang="ko-KR" altLang="en-US"/>
               <a:t>셋째 수준</a:t>
             </a:r>
           </a:p>
           <a:p>
             <a:pPr lvl="3" rtl="0"/>
             <a:r>
-              <a:rPr lang="ko-KR" altLang="en-US" smtClean="0"/>
+              <a:rPr lang="ko-KR" altLang="en-US"/>
               <a:t>넷째 수준</a:t>
             </a:r>
           </a:p>
           <a:p>
             <a:pPr lvl="4" rtl="0"/>
             <a:r>
-              <a:rPr lang="ko-KR" altLang="en-US" smtClean="0"/>
+              <a:rPr lang="ko-KR" altLang="en-US"/>
               <a:t>다섯째 수준</a:t>
             </a:r>
             <a:endParaRPr lang="ko-KR" altLang="en-US" dirty="0"/>
@@ -2380,35 +2560,35 @@
           <a:p>
             <a:pPr lvl="0" rtl="0"/>
             <a:r>
-              <a:rPr lang="ko-KR" altLang="en-US" smtClean="0"/>
+              <a:rPr lang="ko-KR" altLang="en-US"/>
               <a:t>마스터 텍스트 스타일 편집</a:t>
             </a:r>
           </a:p>
           <a:p>
             <a:pPr lvl="1" rtl="0"/>
             <a:r>
-              <a:rPr lang="ko-KR" altLang="en-US" smtClean="0"/>
+              <a:rPr lang="ko-KR" altLang="en-US"/>
               <a:t>둘째 수준</a:t>
             </a:r>
           </a:p>
           <a:p>
             <a:pPr lvl="2" rtl="0"/>
             <a:r>
-              <a:rPr lang="ko-KR" altLang="en-US" smtClean="0"/>
+              <a:rPr lang="ko-KR" altLang="en-US"/>
               <a:t>셋째 수준</a:t>
             </a:r>
           </a:p>
           <a:p>
             <a:pPr lvl="3" rtl="0"/>
             <a:r>
-              <a:rPr lang="ko-KR" altLang="en-US" smtClean="0"/>
+              <a:rPr lang="ko-KR" altLang="en-US"/>
               <a:t>넷째 수준</a:t>
             </a:r>
           </a:p>
           <a:p>
             <a:pPr lvl="4" rtl="0"/>
             <a:r>
-              <a:rPr lang="ko-KR" altLang="en-US" smtClean="0"/>
+              <a:rPr lang="ko-KR" altLang="en-US"/>
               <a:t>다섯째 수준</a:t>
             </a:r>
             <a:endParaRPr lang="ko-KR" altLang="en-US" dirty="0"/>
@@ -2534,7 +2714,7 @@
           <a:p>
             <a:pPr rtl="0"/>
             <a:r>
-              <a:rPr lang="ko-KR" altLang="en-US" smtClean="0"/>
+              <a:rPr lang="ko-KR" altLang="en-US"/>
               <a:t>마스터 제목 스타일 편집</a:t>
             </a:r>
             <a:endParaRPr lang="ko-KR" altLang="en-US" dirty="0"/>
@@ -2609,7 +2789,7 @@
           <a:p>
             <a:pPr lvl="0" rtl="0"/>
             <a:r>
-              <a:rPr lang="ko-KR" altLang="en-US" smtClean="0"/>
+              <a:rPr lang="ko-KR" altLang="en-US"/>
               <a:t>마스터 텍스트 스타일 편집</a:t>
             </a:r>
           </a:p>
@@ -2637,35 +2817,35 @@
           <a:p>
             <a:pPr lvl="0" rtl="0"/>
             <a:r>
-              <a:rPr lang="ko-KR" altLang="en-US" smtClean="0"/>
+              <a:rPr lang="ko-KR" altLang="en-US"/>
               <a:t>마스터 텍스트 스타일 편집</a:t>
             </a:r>
           </a:p>
           <a:p>
             <a:pPr lvl="1" rtl="0"/>
             <a:r>
-              <a:rPr lang="ko-KR" altLang="en-US" smtClean="0"/>
+              <a:rPr lang="ko-KR" altLang="en-US"/>
               <a:t>둘째 수준</a:t>
             </a:r>
           </a:p>
           <a:p>
             <a:pPr lvl="2" rtl="0"/>
             <a:r>
-              <a:rPr lang="ko-KR" altLang="en-US" smtClean="0"/>
+              <a:rPr lang="ko-KR" altLang="en-US"/>
               <a:t>셋째 수준</a:t>
             </a:r>
           </a:p>
           <a:p>
             <a:pPr lvl="3" rtl="0"/>
             <a:r>
-              <a:rPr lang="ko-KR" altLang="en-US" smtClean="0"/>
+              <a:rPr lang="ko-KR" altLang="en-US"/>
               <a:t>넷째 수준</a:t>
             </a:r>
           </a:p>
           <a:p>
             <a:pPr lvl="4" rtl="0"/>
             <a:r>
-              <a:rPr lang="ko-KR" altLang="en-US" smtClean="0"/>
+              <a:rPr lang="ko-KR" altLang="en-US"/>
               <a:t>다섯째 수준</a:t>
             </a:r>
             <a:endParaRPr lang="ko-KR" altLang="en-US" dirty="0"/>
@@ -2740,7 +2920,7 @@
           <a:p>
             <a:pPr lvl="0" rtl="0"/>
             <a:r>
-              <a:rPr lang="ko-KR" altLang="en-US" smtClean="0"/>
+              <a:rPr lang="ko-KR" altLang="en-US"/>
               <a:t>마스터 텍스트 스타일 편집</a:t>
             </a:r>
           </a:p>
@@ -2768,35 +2948,35 @@
           <a:p>
             <a:pPr lvl="0" rtl="0"/>
             <a:r>
-              <a:rPr lang="ko-KR" altLang="en-US" smtClean="0"/>
+              <a:rPr lang="ko-KR" altLang="en-US"/>
               <a:t>마스터 텍스트 스타일 편집</a:t>
             </a:r>
           </a:p>
           <a:p>
             <a:pPr lvl="1" rtl="0"/>
             <a:r>
-              <a:rPr lang="ko-KR" altLang="en-US" smtClean="0"/>
+              <a:rPr lang="ko-KR" altLang="en-US"/>
               <a:t>둘째 수준</a:t>
             </a:r>
           </a:p>
           <a:p>
             <a:pPr lvl="2" rtl="0"/>
             <a:r>
-              <a:rPr lang="ko-KR" altLang="en-US" smtClean="0"/>
+              <a:rPr lang="ko-KR" altLang="en-US"/>
               <a:t>셋째 수준</a:t>
             </a:r>
           </a:p>
           <a:p>
             <a:pPr lvl="3" rtl="0"/>
             <a:r>
-              <a:rPr lang="ko-KR" altLang="en-US" smtClean="0"/>
+              <a:rPr lang="ko-KR" altLang="en-US"/>
               <a:t>넷째 수준</a:t>
             </a:r>
           </a:p>
           <a:p>
             <a:pPr lvl="4" rtl="0"/>
             <a:r>
-              <a:rPr lang="ko-KR" altLang="en-US" smtClean="0"/>
+              <a:rPr lang="ko-KR" altLang="en-US"/>
               <a:t>다섯째 수준</a:t>
             </a:r>
             <a:endParaRPr lang="ko-KR" altLang="en-US" dirty="0"/>
@@ -2922,7 +3102,7 @@
           <a:p>
             <a:pPr rtl="0"/>
             <a:r>
-              <a:rPr lang="ko-KR" altLang="en-US" smtClean="0"/>
+              <a:rPr lang="ko-KR" altLang="en-US"/>
               <a:t>마스터 제목 스타일 편집</a:t>
             </a:r>
             <a:endParaRPr lang="ko-KR" altLang="en-US" dirty="0"/>
@@ -3193,7 +3373,7 @@
           <a:p>
             <a:pPr rtl="0"/>
             <a:r>
-              <a:rPr lang="ko-KR" altLang="en-US" smtClean="0"/>
+              <a:rPr lang="ko-KR" altLang="en-US"/>
               <a:t>마스터 제목 스타일 편집</a:t>
             </a:r>
             <a:endParaRPr lang="ko-KR" altLang="en-US" dirty="0"/>
@@ -3252,35 +3432,35 @@
           <a:p>
             <a:pPr lvl="0" rtl="0"/>
             <a:r>
-              <a:rPr lang="ko-KR" altLang="en-US" smtClean="0"/>
+              <a:rPr lang="ko-KR" altLang="en-US"/>
               <a:t>마스터 텍스트 스타일 편집</a:t>
             </a:r>
           </a:p>
           <a:p>
             <a:pPr lvl="1" rtl="0"/>
             <a:r>
-              <a:rPr lang="ko-KR" altLang="en-US" smtClean="0"/>
+              <a:rPr lang="ko-KR" altLang="en-US"/>
               <a:t>둘째 수준</a:t>
             </a:r>
           </a:p>
           <a:p>
             <a:pPr lvl="2" rtl="0"/>
             <a:r>
-              <a:rPr lang="ko-KR" altLang="en-US" smtClean="0"/>
+              <a:rPr lang="ko-KR" altLang="en-US"/>
               <a:t>셋째 수준</a:t>
             </a:r>
           </a:p>
           <a:p>
             <a:pPr lvl="3" rtl="0"/>
             <a:r>
-              <a:rPr lang="ko-KR" altLang="en-US" smtClean="0"/>
+              <a:rPr lang="ko-KR" altLang="en-US"/>
               <a:t>넷째 수준</a:t>
             </a:r>
           </a:p>
           <a:p>
             <a:pPr lvl="4" rtl="0"/>
             <a:r>
-              <a:rPr lang="ko-KR" altLang="en-US" smtClean="0"/>
+              <a:rPr lang="ko-KR" altLang="en-US"/>
               <a:t>다섯째 수준</a:t>
             </a:r>
             <a:endParaRPr lang="ko-KR" altLang="en-US" dirty="0"/>
@@ -3351,7 +3531,7 @@
           <a:p>
             <a:pPr lvl="0" rtl="0"/>
             <a:r>
-              <a:rPr lang="ko-KR" altLang="en-US" smtClean="0"/>
+              <a:rPr lang="ko-KR" altLang="en-US"/>
               <a:t>마스터 텍스트 스타일 편집</a:t>
             </a:r>
           </a:p>
@@ -3507,7 +3687,7 @@
           <a:p>
             <a:pPr rtl="0"/>
             <a:r>
-              <a:rPr lang="ko-KR" altLang="en-US" smtClean="0"/>
+              <a:rPr lang="ko-KR" altLang="en-US"/>
               <a:t>마스터 제목 스타일 편집</a:t>
             </a:r>
             <a:endParaRPr lang="ko-KR" altLang="en-US" dirty="0"/>
@@ -3636,10 +3816,9 @@
           <a:p>
             <a:pPr rtl="0"/>
             <a:r>
-              <a:rPr lang="ko-KR" altLang="en-US" dirty="0" smtClean="0"/>
+              <a:rPr lang="ko-KR" altLang="en-US" dirty="0"/>
               <a:t>그림을 추가하려면 아이콘을 클릭하세요</a:t>
             </a:r>
-            <a:endParaRPr lang="ko-KR" altLang="en-US" dirty="0"/>
           </a:p>
         </p:txBody>
       </p:sp>
@@ -3710,7 +3889,7 @@
           <a:p>
             <a:pPr lvl="0" rtl="0"/>
             <a:r>
-              <a:rPr lang="ko-KR" altLang="en-US" smtClean="0"/>
+              <a:rPr lang="ko-KR" altLang="en-US"/>
               <a:t>마스터 텍스트 스타일 편집</a:t>
             </a:r>
           </a:p>
@@ -3875,10 +4054,9 @@
           <a:p>
             <a:pPr rtl="0"/>
             <a:r>
-              <a:rPr lang="ko-KR" altLang="en-US" noProof="0" dirty="0" smtClean="0"/>
+              <a:rPr lang="ko-KR" altLang="en-US" noProof="0" dirty="0"/>
               <a:t>마스터 제목 스타일 편집</a:t>
             </a:r>
-            <a:endParaRPr lang="ko-KR" altLang="en-US" noProof="0" dirty="0"/>
           </a:p>
         </p:txBody>
       </p:sp>
@@ -3909,38 +4087,37 @@
           <a:p>
             <a:pPr lvl="0" rtl="0"/>
             <a:r>
-              <a:rPr lang="ko-KR" altLang="en-US" noProof="0" dirty="0" smtClean="0"/>
+              <a:rPr lang="ko-KR" altLang="en-US" noProof="0" dirty="0"/>
               <a:t>마스터 텍스트 스타일 편집</a:t>
             </a:r>
           </a:p>
           <a:p>
             <a:pPr lvl="1" rtl="0"/>
             <a:r>
-              <a:rPr lang="ko-KR" altLang="en-US" noProof="0" dirty="0" smtClean="0"/>
+              <a:rPr lang="ko-KR" altLang="en-US" noProof="0" dirty="0"/>
               <a:t>둘째 수준</a:t>
             </a:r>
           </a:p>
           <a:p>
             <a:pPr lvl="2" rtl="0"/>
             <a:r>
-              <a:rPr lang="ko-KR" altLang="en-US" noProof="0" dirty="0" smtClean="0"/>
+              <a:rPr lang="ko-KR" altLang="en-US" noProof="0" dirty="0"/>
               <a:t>셋째 수준</a:t>
             </a:r>
           </a:p>
           <a:p>
             <a:pPr lvl="3" rtl="0"/>
             <a:r>
-              <a:rPr lang="ko-KR" altLang="en-US" noProof="0" dirty="0" smtClean="0"/>
+              <a:rPr lang="ko-KR" altLang="en-US" noProof="0" dirty="0"/>
               <a:t>넷째 수준</a:t>
             </a:r>
           </a:p>
           <a:p>
             <a:pPr lvl="4" rtl="0"/>
             <a:r>
-              <a:rPr lang="ko-KR" altLang="en-US" noProof="0" dirty="0" smtClean="0"/>
+              <a:rPr lang="ko-KR" altLang="en-US" noProof="0" dirty="0"/>
               <a:t>다섯째 수준</a:t>
             </a:r>
-            <a:endParaRPr lang="ko-KR" altLang="en-US" noProof="0" dirty="0"/>
           </a:p>
         </p:txBody>
       </p:sp>
@@ -4434,7 +4611,7 @@
           <a:p>
             <a:pPr rtl="0"/>
             <a:r>
-              <a:rPr lang="en-US" altLang="ko-KR" dirty="0" smtClean="0">
+              <a:rPr lang="en-US" altLang="ko-KR" dirty="0">
                 <a:latin typeface="Malgun Gothic" panose="020B0503020000020004" pitchFamily="50" charset="-127"/>
                 <a:ea typeface="Malgun Gothic" panose="020B0503020000020004" pitchFamily="50" charset="-127"/>
                 <a:sym typeface="Malgun Gothic" panose="020B0503020000020004" pitchFamily="50" charset="-127"/>
@@ -4442,7 +4619,7 @@
               <a:t>2D Game Programming</a:t>
             </a:r>
             <a:br>
-              <a:rPr lang="en-US" altLang="ko-KR" dirty="0" smtClean="0">
+              <a:rPr lang="en-US" altLang="ko-KR" dirty="0">
                 <a:latin typeface="Malgun Gothic" panose="020B0503020000020004" pitchFamily="50" charset="-127"/>
                 <a:ea typeface="Malgun Gothic" panose="020B0503020000020004" pitchFamily="50" charset="-127"/>
                 <a:sym typeface="Malgun Gothic" panose="020B0503020000020004" pitchFamily="50" charset="-127"/>
@@ -4478,7 +4655,7 @@
           <a:p>
             <a:pPr rtl="0"/>
             <a:r>
-              <a:rPr lang="en-US" altLang="ko-KR" dirty="0" smtClean="0">
+              <a:rPr lang="en-US" altLang="ko-KR" dirty="0">
                 <a:latin typeface="Malgun Gothic" panose="020B0503020000020004" pitchFamily="50" charset="-127"/>
                 <a:ea typeface="Malgun Gothic" panose="020B0503020000020004" pitchFamily="50" charset="-127"/>
                 <a:sym typeface="Malgun Gothic" panose="020B0503020000020004" pitchFamily="50" charset="-127"/>
@@ -4486,14 +4663,14 @@
               <a:t>2012150012 </a:t>
             </a:r>
             <a:r>
-              <a:rPr lang="ko-KR" altLang="en-US" dirty="0" smtClean="0">
+              <a:rPr lang="ko-KR" altLang="en-US" dirty="0">
                 <a:latin typeface="Malgun Gothic" panose="020B0503020000020004" pitchFamily="50" charset="-127"/>
                 <a:ea typeface="Malgun Gothic" panose="020B0503020000020004" pitchFamily="50" charset="-127"/>
                 <a:sym typeface="Malgun Gothic" panose="020B0503020000020004" pitchFamily="50" charset="-127"/>
               </a:rPr>
               <a:t>김연수</a:t>
             </a:r>
-            <a:endParaRPr lang="en-US" altLang="ko-KR" dirty="0" smtClean="0">
+            <a:endParaRPr lang="en-US" altLang="ko-KR" dirty="0">
               <a:latin typeface="Malgun Gothic" panose="020B0503020000020004" pitchFamily="50" charset="-127"/>
               <a:ea typeface="Malgun Gothic" panose="020B0503020000020004" pitchFamily="50" charset="-127"/>
               <a:sym typeface="Malgun Gothic" panose="020B0503020000020004" pitchFamily="50" charset="-127"/>
@@ -4502,7 +4679,7 @@
           <a:p>
             <a:pPr rtl="0"/>
             <a:r>
-              <a:rPr lang="ko-KR" altLang="en-US" dirty="0" err="1" smtClean="0">
+              <a:rPr lang="ko-KR" altLang="en-US" dirty="0" err="1">
                 <a:latin typeface="Malgun Gothic" panose="020B0503020000020004" pitchFamily="50" charset="-127"/>
                 <a:ea typeface="Malgun Gothic" panose="020B0503020000020004" pitchFamily="50" charset="-127"/>
                 <a:sym typeface="Malgun Gothic" panose="020B0503020000020004" pitchFamily="50" charset="-127"/>
@@ -4510,7 +4687,7 @@
               <a:t>게임제목</a:t>
             </a:r>
             <a:r>
-              <a:rPr lang="en-US" altLang="ko-KR" dirty="0" smtClean="0">
+              <a:rPr lang="en-US" altLang="ko-KR" dirty="0">
                 <a:latin typeface="Malgun Gothic" panose="020B0503020000020004" pitchFamily="50" charset="-127"/>
                 <a:ea typeface="Malgun Gothic" panose="020B0503020000020004" pitchFamily="50" charset="-127"/>
                 <a:sym typeface="Malgun Gothic" panose="020B0503020000020004" pitchFamily="50" charset="-127"/>
@@ -4580,7 +4757,7 @@
           <a:p>
             <a:pPr rtl="0"/>
             <a:r>
-              <a:rPr lang="ko-KR" altLang="en-US" b="1" dirty="0" smtClean="0">
+              <a:rPr lang="ko-KR" altLang="en-US" b="1" dirty="0">
                 <a:latin typeface="Malgun Gothic" panose="020B0503020000020004" pitchFamily="50" charset="-127"/>
                 <a:ea typeface="Malgun Gothic" panose="020B0503020000020004" pitchFamily="50" charset="-127"/>
                 <a:sym typeface="Malgun Gothic" panose="020B0503020000020004" pitchFamily="50" charset="-127"/>
@@ -4588,7 +4765,7 @@
               <a:t>게임 </a:t>
             </a:r>
             <a:r>
-              <a:rPr lang="en-US" altLang="ko-KR" b="1" dirty="0" smtClean="0">
+              <a:rPr lang="en-US" altLang="ko-KR" b="1" dirty="0">
                 <a:latin typeface="Malgun Gothic" panose="020B0503020000020004" pitchFamily="50" charset="-127"/>
                 <a:ea typeface="Malgun Gothic" panose="020B0503020000020004" pitchFamily="50" charset="-127"/>
                 <a:sym typeface="Malgun Gothic" panose="020B0503020000020004" pitchFamily="50" charset="-127"/>
@@ -4629,7 +4806,7 @@
               </a:lnSpc>
             </a:pPr>
             <a:r>
-              <a:rPr lang="en-US" altLang="ko-KR" dirty="0" smtClean="0">
+              <a:rPr lang="en-US" altLang="ko-KR" dirty="0">
                 <a:latin typeface="Malgun Gothic" panose="020B0503020000020004" pitchFamily="50" charset="-127"/>
                 <a:ea typeface="Malgun Gothic" panose="020B0503020000020004" pitchFamily="50" charset="-127"/>
                 <a:sym typeface="Malgun Gothic" panose="020B0503020000020004" pitchFamily="50" charset="-127"/>
@@ -4637,7 +4814,7 @@
               <a:t>Money Racing</a:t>
             </a:r>
             <a:r>
-              <a:rPr lang="ko-KR" altLang="en-US" dirty="0" smtClean="0">
+              <a:rPr lang="ko-KR" altLang="en-US" dirty="0">
                 <a:latin typeface="Malgun Gothic" panose="020B0503020000020004" pitchFamily="50" charset="-127"/>
                 <a:ea typeface="Malgun Gothic" panose="020B0503020000020004" pitchFamily="50" charset="-127"/>
                 <a:sym typeface="Malgun Gothic" panose="020B0503020000020004" pitchFamily="50" charset="-127"/>
@@ -4645,7 +4822,7 @@
               <a:t>은 자동차 레이스를 하면서 돈을 벌고 차량을 업그레이드하는 방식으로 진행됩니다</a:t>
             </a:r>
             <a:r>
-              <a:rPr lang="en-US" altLang="ko-KR" dirty="0" smtClean="0">
+              <a:rPr lang="en-US" altLang="ko-KR" dirty="0">
                 <a:latin typeface="Malgun Gothic" panose="020B0503020000020004" pitchFamily="50" charset="-127"/>
                 <a:ea typeface="Malgun Gothic" panose="020B0503020000020004" pitchFamily="50" charset="-127"/>
                 <a:sym typeface="Malgun Gothic" panose="020B0503020000020004" pitchFamily="50" charset="-127"/>
@@ -4660,7 +4837,7 @@
               </a:lnSpc>
             </a:pPr>
             <a:r>
-              <a:rPr lang="ko-KR" altLang="en-US" dirty="0" smtClean="0">
+              <a:rPr lang="ko-KR" altLang="en-US" dirty="0">
                 <a:latin typeface="Malgun Gothic" panose="020B0503020000020004" pitchFamily="50" charset="-127"/>
                 <a:ea typeface="Malgun Gothic" panose="020B0503020000020004" pitchFamily="50" charset="-127"/>
                 <a:sym typeface="Malgun Gothic" panose="020B0503020000020004" pitchFamily="50" charset="-127"/>
@@ -4668,7 +4845,7 @@
               <a:t>게임의 화면은 크게 </a:t>
             </a:r>
             <a:r>
-              <a:rPr lang="ko-KR" altLang="en-US" b="1" dirty="0" smtClean="0">
+              <a:rPr lang="ko-KR" altLang="en-US" b="1" dirty="0">
                 <a:latin typeface="Malgun Gothic" panose="020B0503020000020004" pitchFamily="50" charset="-127"/>
                 <a:ea typeface="Malgun Gothic" panose="020B0503020000020004" pitchFamily="50" charset="-127"/>
                 <a:sym typeface="Malgun Gothic" panose="020B0503020000020004" pitchFamily="50" charset="-127"/>
@@ -4676,7 +4853,7 @@
               <a:t>타이틀</a:t>
             </a:r>
             <a:r>
-              <a:rPr lang="en-US" altLang="ko-KR" dirty="0" smtClean="0">
+              <a:rPr lang="en-US" altLang="ko-KR" dirty="0">
                 <a:latin typeface="Malgun Gothic" panose="020B0503020000020004" pitchFamily="50" charset="-127"/>
                 <a:ea typeface="Malgun Gothic" panose="020B0503020000020004" pitchFamily="50" charset="-127"/>
                 <a:sym typeface="Malgun Gothic" panose="020B0503020000020004" pitchFamily="50" charset="-127"/>
@@ -4684,7 +4861,7 @@
               <a:t>, </a:t>
             </a:r>
             <a:r>
-              <a:rPr lang="ko-KR" altLang="en-US" b="1" dirty="0" smtClean="0">
+              <a:rPr lang="ko-KR" altLang="en-US" b="1" dirty="0">
                 <a:latin typeface="Malgun Gothic" panose="020B0503020000020004" pitchFamily="50" charset="-127"/>
                 <a:ea typeface="Malgun Gothic" panose="020B0503020000020004" pitchFamily="50" charset="-127"/>
                 <a:sym typeface="Malgun Gothic" panose="020B0503020000020004" pitchFamily="50" charset="-127"/>
@@ -4692,7 +4869,7 @@
               <a:t>차고</a:t>
             </a:r>
             <a:r>
-              <a:rPr lang="en-US" altLang="ko-KR" dirty="0" smtClean="0">
+              <a:rPr lang="en-US" altLang="ko-KR" dirty="0">
                 <a:latin typeface="Malgun Gothic" panose="020B0503020000020004" pitchFamily="50" charset="-127"/>
                 <a:ea typeface="Malgun Gothic" panose="020B0503020000020004" pitchFamily="50" charset="-127"/>
                 <a:sym typeface="Malgun Gothic" panose="020B0503020000020004" pitchFamily="50" charset="-127"/>
@@ -4700,7 +4877,7 @@
               <a:t>, </a:t>
             </a:r>
             <a:r>
-              <a:rPr lang="ko-KR" altLang="en-US" b="1" dirty="0" smtClean="0">
+              <a:rPr lang="ko-KR" altLang="en-US" b="1" dirty="0">
                 <a:latin typeface="Malgun Gothic" panose="020B0503020000020004" pitchFamily="50" charset="-127"/>
                 <a:ea typeface="Malgun Gothic" panose="020B0503020000020004" pitchFamily="50" charset="-127"/>
                 <a:sym typeface="Malgun Gothic" panose="020B0503020000020004" pitchFamily="50" charset="-127"/>
@@ -4708,7 +4885,7 @@
               <a:t>레이스</a:t>
             </a:r>
             <a:r>
-              <a:rPr lang="en-US" altLang="ko-KR" dirty="0" smtClean="0">
+              <a:rPr lang="en-US" altLang="ko-KR" dirty="0">
                 <a:latin typeface="Malgun Gothic" panose="020B0503020000020004" pitchFamily="50" charset="-127"/>
                 <a:ea typeface="Malgun Gothic" panose="020B0503020000020004" pitchFamily="50" charset="-127"/>
                 <a:sym typeface="Malgun Gothic" panose="020B0503020000020004" pitchFamily="50" charset="-127"/>
@@ -4716,7 +4893,7 @@
               <a:t>, </a:t>
             </a:r>
             <a:r>
-              <a:rPr lang="ko-KR" altLang="en-US" b="1" dirty="0" smtClean="0">
+              <a:rPr lang="ko-KR" altLang="en-US" b="1" dirty="0">
                 <a:latin typeface="Malgun Gothic" panose="020B0503020000020004" pitchFamily="50" charset="-127"/>
                 <a:ea typeface="Malgun Gothic" panose="020B0503020000020004" pitchFamily="50" charset="-127"/>
                 <a:sym typeface="Malgun Gothic" panose="020B0503020000020004" pitchFamily="50" charset="-127"/>
@@ -4724,7 +4901,7 @@
               <a:t>설정</a:t>
             </a:r>
             <a:r>
-              <a:rPr lang="ko-KR" altLang="en-US" dirty="0" smtClean="0">
+              <a:rPr lang="ko-KR" altLang="en-US" dirty="0">
                 <a:latin typeface="Malgun Gothic" panose="020B0503020000020004" pitchFamily="50" charset="-127"/>
                 <a:ea typeface="Malgun Gothic" panose="020B0503020000020004" pitchFamily="50" charset="-127"/>
                 <a:sym typeface="Malgun Gothic" panose="020B0503020000020004" pitchFamily="50" charset="-127"/>
@@ -4732,7 +4909,7 @@
               <a:t> 상태로 구성됩니다</a:t>
             </a:r>
             <a:r>
-              <a:rPr lang="en-US" altLang="ko-KR" dirty="0" smtClean="0">
+              <a:rPr lang="en-US" altLang="ko-KR" dirty="0">
                 <a:latin typeface="Malgun Gothic" panose="020B0503020000020004" pitchFamily="50" charset="-127"/>
                 <a:ea typeface="Malgun Gothic" panose="020B0503020000020004" pitchFamily="50" charset="-127"/>
                 <a:sym typeface="Malgun Gothic" panose="020B0503020000020004" pitchFamily="50" charset="-127"/>
@@ -4747,7 +4924,7 @@
               </a:lnSpc>
             </a:pPr>
             <a:r>
-              <a:rPr lang="ko-KR" altLang="en-US" dirty="0" smtClean="0">
+              <a:rPr lang="ko-KR" altLang="en-US" dirty="0">
                 <a:latin typeface="Malgun Gothic" panose="020B0503020000020004" pitchFamily="50" charset="-127"/>
                 <a:ea typeface="Malgun Gothic" panose="020B0503020000020004" pitchFamily="50" charset="-127"/>
                 <a:sym typeface="Malgun Gothic" panose="020B0503020000020004" pitchFamily="50" charset="-127"/>
@@ -4755,7 +4932,7 @@
               <a:t>레이스의 순위는 중요하지 않습니다</a:t>
             </a:r>
             <a:r>
-              <a:rPr lang="en-US" altLang="ko-KR" dirty="0" smtClean="0">
+              <a:rPr lang="en-US" altLang="ko-KR" dirty="0">
                 <a:latin typeface="Malgun Gothic" panose="020B0503020000020004" pitchFamily="50" charset="-127"/>
                 <a:ea typeface="Malgun Gothic" panose="020B0503020000020004" pitchFamily="50" charset="-127"/>
                 <a:sym typeface="Malgun Gothic" panose="020B0503020000020004" pitchFamily="50" charset="-127"/>
@@ -4763,7 +4940,7 @@
               <a:t>. </a:t>
             </a:r>
             <a:r>
-              <a:rPr lang="ko-KR" altLang="en-US" dirty="0" smtClean="0">
+              <a:rPr lang="ko-KR" altLang="en-US" dirty="0">
                 <a:latin typeface="Malgun Gothic" panose="020B0503020000020004" pitchFamily="50" charset="-127"/>
                 <a:ea typeface="Malgun Gothic" panose="020B0503020000020004" pitchFamily="50" charset="-127"/>
                 <a:sym typeface="Malgun Gothic" panose="020B0503020000020004" pitchFamily="50" charset="-127"/>
@@ -4771,7 +4948,7 @@
               <a:t>돈을 버는 방법은 자신보다 작은 차를 깔아뭉개면 됩니다</a:t>
             </a:r>
             <a:r>
-              <a:rPr lang="en-US" altLang="ko-KR" dirty="0" smtClean="0">
+              <a:rPr lang="en-US" altLang="ko-KR" dirty="0">
                 <a:latin typeface="Malgun Gothic" panose="020B0503020000020004" pitchFamily="50" charset="-127"/>
                 <a:ea typeface="Malgun Gothic" panose="020B0503020000020004" pitchFamily="50" charset="-127"/>
                 <a:sym typeface="Malgun Gothic" panose="020B0503020000020004" pitchFamily="50" charset="-127"/>
@@ -4904,23 +5081,23 @@
           <a:p>
             <a:pPr algn="ctr"/>
             <a:r>
-              <a:rPr lang="ko-KR" altLang="en-US" dirty="0" smtClean="0"/>
+              <a:rPr lang="ko-KR" altLang="en-US" dirty="0"/>
               <a:t>레이스 화면 예시</a:t>
             </a:r>
-            <a:endParaRPr lang="en-US" altLang="ko-KR" dirty="0" smtClean="0"/>
+            <a:endParaRPr lang="en-US" altLang="ko-KR" dirty="0"/>
           </a:p>
           <a:p>
             <a:pPr algn="ctr"/>
             <a:r>
-              <a:rPr lang="en-US" altLang="ko-KR" dirty="0" smtClean="0"/>
+              <a:rPr lang="en-US" altLang="ko-KR" dirty="0"/>
               <a:t>(</a:t>
             </a:r>
             <a:r>
-              <a:rPr lang="ko-KR" altLang="en-US" dirty="0" smtClean="0"/>
+              <a:rPr lang="ko-KR" altLang="en-US" dirty="0"/>
               <a:t>무단횡단하기</a:t>
             </a:r>
             <a:r>
-              <a:rPr lang="en-US" altLang="ko-KR" dirty="0" smtClean="0"/>
+              <a:rPr lang="en-US" altLang="ko-KR" dirty="0"/>
               <a:t>)</a:t>
             </a:r>
             <a:endParaRPr lang="ko-KR" altLang="en-US" dirty="0"/>
@@ -4980,15 +5157,15 @@
           <a:p>
             <a:pPr algn="ctr"/>
             <a:r>
-              <a:rPr lang="ko-KR" altLang="en-US" dirty="0" smtClean="0"/>
+              <a:rPr lang="ko-KR" altLang="en-US" dirty="0"/>
               <a:t>차고 화면 예시</a:t>
             </a:r>
-            <a:endParaRPr lang="en-US" altLang="ko-KR" dirty="0" smtClean="0"/>
+            <a:endParaRPr lang="en-US" altLang="ko-KR" dirty="0"/>
           </a:p>
           <a:p>
             <a:pPr algn="ctr"/>
             <a:r>
-              <a:rPr lang="en-US" altLang="ko-KR" dirty="0" smtClean="0"/>
+              <a:rPr lang="en-US" altLang="ko-KR" dirty="0"/>
               <a:t>(Earn To Die)</a:t>
             </a:r>
             <a:endParaRPr lang="ko-KR" altLang="en-US" dirty="0"/>
@@ -5047,18 +5224,13 @@
           <a:p>
             <a:pPr rtl="0"/>
             <a:r>
-              <a:rPr lang="ko-KR" altLang="en-US" b="1" dirty="0" smtClean="0">
+              <a:rPr lang="ko-KR" altLang="en-US" b="1" dirty="0">
                 <a:latin typeface="Malgun Gothic" panose="020B0503020000020004" pitchFamily="50" charset="-127"/>
                 <a:ea typeface="Malgun Gothic" panose="020B0503020000020004" pitchFamily="50" charset="-127"/>
                 <a:sym typeface="Malgun Gothic" panose="020B0503020000020004" pitchFamily="50" charset="-127"/>
               </a:rPr>
               <a:t>개발 범위</a:t>
             </a:r>
-            <a:endParaRPr lang="ko-KR" altLang="en-US" b="1" dirty="0">
-              <a:latin typeface="Malgun Gothic" panose="020B0503020000020004" pitchFamily="50" charset="-127"/>
-              <a:ea typeface="Malgun Gothic" panose="020B0503020000020004" pitchFamily="50" charset="-127"/>
-              <a:sym typeface="Malgun Gothic" panose="020B0503020000020004" pitchFamily="50" charset="-127"/>
-            </a:endParaRPr>
           </a:p>
         </p:txBody>
       </p:sp>
@@ -5117,10 +5289,9 @@
                     <a:p>
                       <a:pPr algn="ctr" latinLnBrk="1"/>
                       <a:r>
-                        <a:rPr lang="ko-KR" altLang="en-US" sz="1800" b="1" dirty="0" smtClean="0"/>
+                        <a:rPr lang="ko-KR" altLang="en-US" sz="1800" b="1" dirty="0"/>
                         <a:t>내용</a:t>
                       </a:r>
-                      <a:endParaRPr lang="ko-KR" altLang="en-US" sz="1800" b="1" dirty="0"/>
                     </a:p>
                   </a:txBody>
                   <a:tcPr>
@@ -5151,10 +5322,9 @@
                     <a:p>
                       <a:pPr algn="ctr" latinLnBrk="1"/>
                       <a:r>
-                        <a:rPr lang="ko-KR" altLang="en-US" sz="1800" b="1" dirty="0" smtClean="0"/>
+                        <a:rPr lang="ko-KR" altLang="en-US" sz="1800" b="1" dirty="0"/>
                         <a:t>최소 개발 범위</a:t>
                       </a:r>
-                      <a:endParaRPr lang="ko-KR" altLang="en-US" sz="1800" b="1" dirty="0"/>
                     </a:p>
                   </a:txBody>
                   <a:tcPr>
@@ -5194,10 +5364,9 @@
                     <a:p>
                       <a:pPr algn="ctr" latinLnBrk="1"/>
                       <a:r>
-                        <a:rPr lang="ko-KR" altLang="en-US" sz="1800" b="1" dirty="0" smtClean="0"/>
+                        <a:rPr lang="ko-KR" altLang="en-US" sz="1800" b="1" dirty="0"/>
                         <a:t>최대 개발 범위</a:t>
                       </a:r>
-                      <a:endParaRPr lang="ko-KR" altLang="en-US" sz="1800" b="1" dirty="0"/>
                     </a:p>
                   </a:txBody>
                   <a:tcPr>
@@ -5235,10 +5404,9 @@
                     <a:p>
                       <a:pPr algn="ctr" latinLnBrk="1"/>
                       <a:r>
-                        <a:rPr lang="ko-KR" altLang="en-US" sz="1400" b="1" dirty="0" smtClean="0"/>
+                        <a:rPr lang="ko-KR" altLang="en-US" sz="1400" b="1" dirty="0"/>
                         <a:t>차량 움직임</a:t>
                       </a:r>
-                      <a:endParaRPr lang="ko-KR" altLang="en-US" sz="1400" b="1" dirty="0"/>
                     </a:p>
                   </a:txBody>
                   <a:tcPr>
@@ -5278,26 +5446,17 @@
                     <a:p>
                       <a:pPr algn="ctr" latinLnBrk="1"/>
                       <a:r>
-                        <a:rPr lang="ko-KR" altLang="en-US" sz="1400" b="1" strike="sngStrike" dirty="0" smtClean="0"/>
-                        <a:t>상하좌우 </a:t>
+                        <a:rPr lang="ko-KR" altLang="en-US" sz="1400" b="1" strike="sngStrike" dirty="0"/>
+                        <a:t>상하좌우 자유롭게 </a:t>
                       </a:r>
                       <a:r>
-                        <a:rPr lang="ko-KR" altLang="en-US" sz="1400" b="1" strike="sngStrike" dirty="0" smtClean="0"/>
-                        <a:t>자유롭게 </a:t>
-                      </a:r>
-                      <a:r>
-                        <a:rPr lang="ko-KR" altLang="en-US" sz="1400" b="1" strike="noStrike" dirty="0" smtClean="0">
+                        <a:rPr lang="ko-KR" altLang="en-US" sz="1400" b="1" strike="noStrike" dirty="0">
                           <a:solidFill>
                             <a:srgbClr val="FF0000"/>
                           </a:solidFill>
                         </a:rPr>
                         <a:t>좌우로 자유롭게</a:t>
                       </a:r>
-                      <a:endParaRPr lang="ko-KR" altLang="en-US" sz="1400" b="1" strike="noStrike" dirty="0">
-                        <a:solidFill>
-                          <a:srgbClr val="FF0000"/>
-                        </a:solidFill>
-                      </a:endParaRPr>
                     </a:p>
                   </a:txBody>
                   <a:tcPr>
@@ -5355,10 +5514,9 @@
                     <a:p>
                       <a:pPr algn="ctr" latinLnBrk="1"/>
                       <a:r>
-                        <a:rPr lang="ko-KR" altLang="en-US" sz="1400" b="1" dirty="0" smtClean="0"/>
+                        <a:rPr lang="ko-KR" altLang="en-US" sz="1400" b="1" dirty="0"/>
                         <a:t>차량 폭파 시 효과</a:t>
                       </a:r>
-                      <a:endParaRPr lang="ko-KR" altLang="en-US" sz="1400" b="1" dirty="0"/>
                     </a:p>
                   </a:txBody>
                   <a:tcPr>
@@ -5398,14 +5556,14 @@
                     <a:p>
                       <a:pPr algn="l" latinLnBrk="1"/>
                       <a:r>
-                        <a:rPr lang="en-US" altLang="ko-KR" sz="1400" b="1" dirty="0" smtClean="0"/>
+                        <a:rPr lang="en-US" altLang="ko-KR" sz="1400" b="1" dirty="0"/>
                         <a:t>2</a:t>
                       </a:r>
                       <a:r>
-                        <a:rPr lang="ko-KR" altLang="en-US" sz="1400" b="1" dirty="0" smtClean="0"/>
+                        <a:rPr lang="ko-KR" altLang="en-US" sz="1400" b="1" dirty="0"/>
                         <a:t>개 이상의 폭파 이미지 시트</a:t>
                       </a:r>
-                      <a:endParaRPr lang="en-US" altLang="ko-KR" sz="1400" b="1" dirty="0" smtClean="0"/>
+                      <a:endParaRPr lang="en-US" altLang="ko-KR" sz="1400" b="1" dirty="0"/>
                     </a:p>
                     <a:p>
                       <a:pPr marL="0" marR="0" indent="0" algn="l" defTabSz="914400" rtl="0" eaLnBrk="1" fontAlgn="auto" latinLnBrk="1" hangingPunct="1">
@@ -5426,7 +5584,7 @@
                         <a:defRPr/>
                       </a:pPr>
                       <a:r>
-                        <a:rPr lang="ko-KR" altLang="en-US" sz="1400" b="1" dirty="0" smtClean="0"/>
+                        <a:rPr lang="ko-KR" altLang="en-US" sz="1400" b="1" dirty="0"/>
                         <a:t>폭파장소에서 동전이 나옴</a:t>
                       </a:r>
                     </a:p>
@@ -5477,34 +5635,34 @@
                     <a:p>
                       <a:pPr algn="l" latinLnBrk="1"/>
                       <a:r>
-                        <a:rPr lang="en-US" altLang="ko-KR" sz="1400" b="1" dirty="0" smtClean="0"/>
+                        <a:rPr lang="en-US" altLang="ko-KR" sz="1400" b="1" dirty="0"/>
                         <a:t>5</a:t>
                       </a:r>
                       <a:r>
-                        <a:rPr lang="ko-KR" altLang="en-US" sz="1400" b="1" dirty="0" smtClean="0"/>
+                        <a:rPr lang="ko-KR" altLang="en-US" sz="1400" b="1" dirty="0"/>
                         <a:t>개 이상의 </a:t>
                       </a:r>
                       <a:r>
-                        <a:rPr lang="ko-KR" altLang="en-US" sz="1400" b="1" dirty="0" err="1" smtClean="0"/>
+                        <a:rPr lang="ko-KR" altLang="en-US" sz="1400" b="1" dirty="0" err="1"/>
                         <a:t>폭파이미지</a:t>
                       </a:r>
                       <a:r>
-                        <a:rPr lang="ko-KR" altLang="en-US" sz="1400" b="1" dirty="0" smtClean="0"/>
+                        <a:rPr lang="ko-KR" altLang="en-US" sz="1400" b="1" dirty="0"/>
                         <a:t> 시트</a:t>
                       </a:r>
-                      <a:endParaRPr lang="en-US" altLang="ko-KR" sz="1400" b="1" dirty="0" smtClean="0"/>
+                      <a:endParaRPr lang="en-US" altLang="ko-KR" sz="1400" b="1" dirty="0"/>
                     </a:p>
                     <a:p>
                       <a:pPr algn="l" latinLnBrk="1"/>
                       <a:r>
-                        <a:rPr lang="ko-KR" altLang="en-US" sz="1400" b="1" dirty="0" smtClean="0"/>
+                        <a:rPr lang="ko-KR" altLang="en-US" sz="1400" b="1" dirty="0"/>
                         <a:t>차량의 잔해가 충돌 위치와 속도에 따라 다르게 </a:t>
                       </a:r>
                       <a:r>
-                        <a:rPr lang="ko-KR" altLang="en-US" sz="1400" b="1" dirty="0" err="1" smtClean="0"/>
+                        <a:rPr lang="ko-KR" altLang="en-US" sz="1400" b="1" dirty="0" err="1"/>
                         <a:t>날라감</a:t>
                       </a:r>
-                      <a:endParaRPr lang="en-US" altLang="ko-KR" sz="1400" b="1" dirty="0" smtClean="0"/>
+                      <a:endParaRPr lang="en-US" altLang="ko-KR" sz="1400" b="1" dirty="0"/>
                     </a:p>
                   </a:txBody>
                   <a:tcPr>
@@ -5551,10 +5709,9 @@
                     <a:p>
                       <a:pPr algn="ctr" latinLnBrk="1"/>
                       <a:r>
-                        <a:rPr lang="ko-KR" altLang="en-US" sz="1400" b="1" dirty="0" smtClean="0"/>
+                        <a:rPr lang="ko-KR" altLang="en-US" sz="1400" b="1" dirty="0"/>
                         <a:t>게임 난이도</a:t>
                       </a:r>
-                      <a:endParaRPr lang="ko-KR" altLang="en-US" sz="1400" b="1" dirty="0"/>
                     </a:p>
                   </a:txBody>
                   <a:tcPr>
@@ -5594,14 +5751,13 @@
                     <a:p>
                       <a:pPr algn="ctr" latinLnBrk="1"/>
                       <a:r>
-                        <a:rPr lang="en-US" altLang="ko-KR" sz="1400" b="1" dirty="0" smtClean="0"/>
+                        <a:rPr lang="en-US" altLang="ko-KR" sz="1400" b="1" dirty="0"/>
                         <a:t>2</a:t>
                       </a:r>
                       <a:r>
-                        <a:rPr lang="ko-KR" altLang="en-US" sz="1400" b="1" dirty="0" smtClean="0"/>
+                        <a:rPr lang="ko-KR" altLang="en-US" sz="1400" b="1" dirty="0"/>
                         <a:t>개 단계</a:t>
                       </a:r>
-                      <a:endParaRPr lang="ko-KR" altLang="en-US" sz="1400" b="1" dirty="0"/>
                     </a:p>
                   </a:txBody>
                   <a:tcPr>
@@ -5650,14 +5806,13 @@
                     <a:p>
                       <a:pPr algn="ctr" latinLnBrk="1"/>
                       <a:r>
-                        <a:rPr lang="en-US" altLang="ko-KR" sz="1400" b="1" dirty="0" smtClean="0"/>
+                        <a:rPr lang="en-US" altLang="ko-KR" sz="1400" b="1" dirty="0"/>
                         <a:t>5</a:t>
                       </a:r>
                       <a:r>
-                        <a:rPr lang="ko-KR" altLang="en-US" sz="1400" b="1" dirty="0" smtClean="0"/>
+                        <a:rPr lang="ko-KR" altLang="en-US" sz="1400" b="1" dirty="0"/>
                         <a:t>개 단계 이상</a:t>
                       </a:r>
-                      <a:endParaRPr lang="ko-KR" altLang="en-US" sz="1400" b="1" dirty="0"/>
                     </a:p>
                   </a:txBody>
                   <a:tcPr>
@@ -5704,10 +5859,9 @@
                     <a:p>
                       <a:pPr algn="ctr" latinLnBrk="1"/>
                       <a:r>
-                        <a:rPr lang="ko-KR" altLang="en-US" sz="1400" b="1" dirty="0" smtClean="0"/>
+                        <a:rPr lang="ko-KR" altLang="en-US" sz="1400" b="1" dirty="0"/>
                         <a:t>차량 종류</a:t>
                       </a:r>
-                      <a:endParaRPr lang="ko-KR" altLang="en-US" sz="1400" b="1" dirty="0"/>
                     </a:p>
                   </a:txBody>
                   <a:tcPr>
@@ -5747,14 +5901,13 @@
                     <a:p>
                       <a:pPr algn="ctr" latinLnBrk="1"/>
                       <a:r>
-                        <a:rPr lang="en-US" altLang="ko-KR" sz="1400" b="1" dirty="0" smtClean="0"/>
+                        <a:rPr lang="en-US" altLang="ko-KR" sz="1400" b="1" dirty="0"/>
                         <a:t>5</a:t>
                       </a:r>
                       <a:r>
-                        <a:rPr lang="ko-KR" altLang="en-US" sz="1400" b="1" dirty="0" smtClean="0"/>
+                        <a:rPr lang="ko-KR" altLang="en-US" sz="1400" b="1" dirty="0"/>
                         <a:t>종류</a:t>
                       </a:r>
-                      <a:endParaRPr lang="ko-KR" altLang="en-US" sz="1400" b="1" dirty="0"/>
                     </a:p>
                   </a:txBody>
                   <a:tcPr>
@@ -5803,14 +5956,13 @@
                     <a:p>
                       <a:pPr algn="ctr" latinLnBrk="1"/>
                       <a:r>
-                        <a:rPr lang="en-US" altLang="ko-KR" sz="1400" b="1" dirty="0" smtClean="0"/>
+                        <a:rPr lang="en-US" altLang="ko-KR" sz="1400" b="1" dirty="0"/>
                         <a:t>20</a:t>
                       </a:r>
                       <a:r>
-                        <a:rPr lang="ko-KR" altLang="en-US" sz="1400" b="1" dirty="0" smtClean="0"/>
+                        <a:rPr lang="ko-KR" altLang="en-US" sz="1400" b="1" dirty="0"/>
                         <a:t>종류 이상</a:t>
                       </a:r>
-                      <a:endParaRPr lang="ko-KR" altLang="en-US" sz="1400" b="1" dirty="0"/>
                     </a:p>
                   </a:txBody>
                   <a:tcPr>
@@ -5857,10 +6009,9 @@
                     <a:p>
                       <a:pPr algn="ctr" latinLnBrk="1"/>
                       <a:r>
-                        <a:rPr lang="ko-KR" altLang="en-US" sz="1400" b="1" dirty="0" smtClean="0"/>
+                        <a:rPr lang="ko-KR" altLang="en-US" sz="1400" b="1" dirty="0"/>
                         <a:t>게임 기능</a:t>
                       </a:r>
-                      <a:endParaRPr lang="ko-KR" altLang="en-US" sz="1400" b="1" dirty="0"/>
                     </a:p>
                   </a:txBody>
                   <a:tcPr>
@@ -5900,18 +6051,18 @@
                     <a:p>
                       <a:pPr algn="l" latinLnBrk="1"/>
                       <a:r>
-                        <a:rPr lang="ko-KR" altLang="en-US" sz="1400" b="1" dirty="0" smtClean="0"/>
+                        <a:rPr lang="ko-KR" altLang="en-US" sz="1400" b="1" dirty="0"/>
                         <a:t>폭파시킨 차량의 레벨에 따라 코인 차등 지급</a:t>
                       </a:r>
-                      <a:endParaRPr lang="en-US" altLang="ko-KR" sz="1400" b="1" dirty="0" smtClean="0"/>
+                      <a:endParaRPr lang="en-US" altLang="ko-KR" sz="1400" b="1" dirty="0"/>
                     </a:p>
                     <a:p>
                       <a:pPr algn="l" latinLnBrk="1"/>
                       <a:r>
-                        <a:rPr lang="ko-KR" altLang="en-US" sz="1400" b="1" dirty="0" smtClean="0"/>
+                        <a:rPr lang="ko-KR" altLang="en-US" sz="1400" b="1" dirty="0"/>
                         <a:t>차량 레벨에 따라 최고 속력 증가</a:t>
                       </a:r>
-                      <a:endParaRPr lang="en-US" altLang="ko-KR" sz="1400" b="1" dirty="0" smtClean="0"/>
+                      <a:endParaRPr lang="en-US" altLang="ko-KR" sz="1400" b="1" dirty="0"/>
                     </a:p>
                     <a:p>
                       <a:pPr marL="0" marR="0" indent="0" algn="l" defTabSz="914400" rtl="0" eaLnBrk="1" fontAlgn="auto" latinLnBrk="1" hangingPunct="1">
@@ -5932,18 +6083,18 @@
                         <a:defRPr/>
                       </a:pPr>
                       <a:r>
-                        <a:rPr lang="ko-KR" altLang="en-US" sz="1400" b="1" dirty="0" smtClean="0"/>
+                        <a:rPr lang="ko-KR" altLang="en-US" sz="1400" b="1" dirty="0"/>
                         <a:t>차량이 멈추거나 출발할 때 가속도</a:t>
                       </a:r>
                       <a:r>
-                        <a:rPr lang="en-US" altLang="ko-KR" sz="1400" b="1" baseline="0" dirty="0" smtClean="0"/>
+                        <a:rPr lang="en-US" altLang="ko-KR" sz="1400" b="1" baseline="0" dirty="0"/>
                         <a:t> </a:t>
                       </a:r>
                       <a:r>
-                        <a:rPr lang="ko-KR" altLang="en-US" sz="1400" b="1" baseline="0" dirty="0" smtClean="0"/>
+                        <a:rPr lang="ko-KR" altLang="en-US" sz="1400" b="1" baseline="0" dirty="0"/>
                         <a:t>적용</a:t>
                       </a:r>
-                      <a:endParaRPr lang="en-US" altLang="ko-KR" sz="1400" b="1" dirty="0" smtClean="0"/>
+                      <a:endParaRPr lang="en-US" altLang="ko-KR" sz="1400" b="1" dirty="0"/>
                     </a:p>
                   </a:txBody>
                   <a:tcPr>
@@ -6008,41 +6159,40 @@
                         <a:defRPr/>
                       </a:pPr>
                       <a:r>
-                        <a:rPr lang="ko-KR" altLang="en-US" sz="1400" b="1" dirty="0" smtClean="0"/>
+                        <a:rPr lang="ko-KR" altLang="en-US" sz="1400" b="1" dirty="0"/>
                         <a:t>차량 레벨에 따라 도로에 존재하는 차량들의 레벨 비율 조정</a:t>
                       </a:r>
                     </a:p>
                     <a:p>
                       <a:pPr algn="l" latinLnBrk="1"/>
                       <a:r>
-                        <a:rPr lang="ko-KR" altLang="en-US" sz="1400" b="1" dirty="0" smtClean="0"/>
+                        <a:rPr lang="ko-KR" altLang="en-US" sz="1400" b="1" dirty="0"/>
                         <a:t>차량이 충돌할 때 작용</a:t>
                       </a:r>
                       <a:r>
-                        <a:rPr lang="en-US" altLang="ko-KR" sz="1400" b="1" dirty="0" smtClean="0"/>
+                        <a:rPr lang="en-US" altLang="ko-KR" sz="1400" b="1" dirty="0"/>
                         <a:t>/</a:t>
                       </a:r>
                       <a:r>
-                        <a:rPr lang="ko-KR" altLang="en-US" sz="1400" b="1" dirty="0" smtClean="0"/>
+                        <a:rPr lang="ko-KR" altLang="en-US" sz="1400" b="1" dirty="0"/>
                         <a:t>반작용 효과</a:t>
                       </a:r>
-                      <a:endParaRPr lang="en-US" altLang="ko-KR" sz="1400" b="1" dirty="0" smtClean="0"/>
+                      <a:endParaRPr lang="en-US" altLang="ko-KR" sz="1400" b="1" dirty="0"/>
                     </a:p>
                     <a:p>
                       <a:pPr algn="l" latinLnBrk="1"/>
                       <a:r>
-                        <a:rPr lang="ko-KR" altLang="en-US" sz="1400" b="1" dirty="0" smtClean="0"/>
+                        <a:rPr lang="ko-KR" altLang="en-US" sz="1400" b="1" dirty="0"/>
                         <a:t>일정 코인 획득 시 </a:t>
                       </a:r>
                       <a:r>
-                        <a:rPr lang="ko-KR" altLang="en-US" sz="1400" b="1" dirty="0" err="1" smtClean="0"/>
+                        <a:rPr lang="ko-KR" altLang="en-US" sz="1400" b="1" dirty="0" err="1"/>
                         <a:t>피버타임</a:t>
                       </a:r>
                       <a:r>
-                        <a:rPr lang="ko-KR" altLang="en-US" sz="1400" b="1" dirty="0" smtClean="0"/>
+                        <a:rPr lang="ko-KR" altLang="en-US" sz="1400" b="1" dirty="0"/>
                         <a:t> 발동</a:t>
                       </a:r>
-                      <a:endParaRPr lang="ko-KR" altLang="en-US" sz="1400" b="1" dirty="0"/>
                     </a:p>
                   </a:txBody>
                   <a:tcPr>
@@ -6089,10 +6239,9 @@
                     <a:p>
                       <a:pPr algn="ctr" latinLnBrk="1"/>
                       <a:r>
-                        <a:rPr lang="ko-KR" altLang="en-US" sz="1400" b="1" dirty="0" smtClean="0"/>
+                        <a:rPr lang="ko-KR" altLang="en-US" sz="1400" b="1" dirty="0"/>
                         <a:t>배경</a:t>
                       </a:r>
-                      <a:endParaRPr lang="ko-KR" altLang="en-US" sz="1400" b="1" dirty="0"/>
                     </a:p>
                   </a:txBody>
                   <a:tcPr>
@@ -6123,18 +6272,17 @@
                     <a:p>
                       <a:pPr algn="ctr" latinLnBrk="1"/>
                       <a:r>
-                        <a:rPr lang="ko-KR" altLang="en-US" sz="1400" b="1" dirty="0" smtClean="0"/>
+                        <a:rPr lang="ko-KR" altLang="en-US" sz="1400" b="1" dirty="0"/>
                         <a:t>일반 도로</a:t>
                       </a:r>
                       <a:r>
-                        <a:rPr lang="en-US" altLang="ko-KR" sz="1400" b="1" dirty="0" smtClean="0"/>
+                        <a:rPr lang="en-US" altLang="ko-KR" sz="1400" b="1" dirty="0"/>
                         <a:t>, </a:t>
                       </a:r>
                       <a:r>
-                        <a:rPr lang="ko-KR" altLang="en-US" sz="1400" b="1" dirty="0" smtClean="0"/>
+                        <a:rPr lang="ko-KR" altLang="en-US" sz="1400" b="1" dirty="0"/>
                         <a:t>주택가</a:t>
                       </a:r>
-                      <a:endParaRPr lang="ko-KR" altLang="en-US" sz="1400" b="1" dirty="0"/>
                     </a:p>
                   </a:txBody>
                   <a:tcPr>
@@ -6174,22 +6322,21 @@
                     <a:p>
                       <a:pPr algn="ctr" latinLnBrk="1"/>
                       <a:r>
-                        <a:rPr lang="ko-KR" altLang="en-US" sz="1400" b="1" dirty="0" smtClean="0"/>
+                        <a:rPr lang="ko-KR" altLang="en-US" sz="1400" b="1" dirty="0"/>
                         <a:t>겨울</a:t>
                       </a:r>
                       <a:r>
-                        <a:rPr lang="en-US" altLang="ko-KR" sz="1400" b="1" dirty="0" smtClean="0"/>
+                        <a:rPr lang="en-US" altLang="ko-KR" sz="1400" b="1" dirty="0"/>
                         <a:t>, </a:t>
                       </a:r>
                       <a:r>
-                        <a:rPr lang="ko-KR" altLang="en-US" sz="1400" b="1" dirty="0" err="1" smtClean="0"/>
+                        <a:rPr lang="ko-KR" altLang="en-US" sz="1400" b="1" dirty="0" err="1"/>
                         <a:t>비내리는</a:t>
                       </a:r>
                       <a:r>
-                        <a:rPr lang="ko-KR" altLang="en-US" sz="1400" b="1" dirty="0" smtClean="0"/>
+                        <a:rPr lang="ko-KR" altLang="en-US" sz="1400" b="1" dirty="0"/>
                         <a:t> 도로와 미끄러짐 효과</a:t>
                       </a:r>
-                      <a:endParaRPr lang="ko-KR" altLang="en-US" sz="1400" b="1" dirty="0"/>
                     </a:p>
                   </a:txBody>
                   <a:tcPr>
@@ -6275,18 +6422,13 @@
           <a:p>
             <a:pPr rtl="0"/>
             <a:r>
-              <a:rPr lang="ko-KR" altLang="en-US" b="1" dirty="0" smtClean="0">
+              <a:rPr lang="ko-KR" altLang="en-US" b="1" dirty="0">
                 <a:latin typeface="Malgun Gothic" panose="020B0503020000020004" pitchFamily="50" charset="-127"/>
                 <a:ea typeface="Malgun Gothic" panose="020B0503020000020004" pitchFamily="50" charset="-127"/>
                 <a:sym typeface="Malgun Gothic" panose="020B0503020000020004" pitchFamily="50" charset="-127"/>
               </a:rPr>
               <a:t>게임 예상 흐름도</a:t>
             </a:r>
-            <a:endParaRPr lang="ko-KR" altLang="en-US" b="1" dirty="0">
-              <a:latin typeface="Malgun Gothic" panose="020B0503020000020004" pitchFamily="50" charset="-127"/>
-              <a:ea typeface="Malgun Gothic" panose="020B0503020000020004" pitchFamily="50" charset="-127"/>
-              <a:sym typeface="Malgun Gothic" panose="020B0503020000020004" pitchFamily="50" charset="-127"/>
-            </a:endParaRPr>
           </a:p>
         </p:txBody>
       </p:sp>
@@ -6365,10 +6507,9 @@
             <a:p>
               <a:pPr algn="ctr"/>
               <a:r>
-                <a:rPr lang="ko-KR" altLang="en-US" dirty="0" smtClean="0"/>
+                <a:rPr lang="ko-KR" altLang="en-US" dirty="0"/>
                 <a:t>타이틀 화면</a:t>
               </a:r>
-              <a:endParaRPr lang="ko-KR" altLang="en-US" dirty="0"/>
             </a:p>
           </p:txBody>
         </p:sp>
@@ -6448,10 +6589,9 @@
             <a:p>
               <a:pPr algn="ctr"/>
               <a:r>
-                <a:rPr lang="ko-KR" altLang="en-US" dirty="0" smtClean="0"/>
+                <a:rPr lang="ko-KR" altLang="en-US" dirty="0"/>
                 <a:t>설정 화면</a:t>
               </a:r>
-              <a:endParaRPr lang="ko-KR" altLang="en-US" dirty="0"/>
             </a:p>
           </p:txBody>
         </p:sp>
@@ -6531,10 +6671,9 @@
             <a:p>
               <a:pPr algn="ctr"/>
               <a:r>
-                <a:rPr lang="ko-KR" altLang="en-US" dirty="0" smtClean="0"/>
+                <a:rPr lang="ko-KR" altLang="en-US" dirty="0"/>
                 <a:t>차고</a:t>
               </a:r>
-              <a:endParaRPr lang="ko-KR" altLang="en-US" dirty="0"/>
             </a:p>
           </p:txBody>
         </p:sp>
@@ -6631,10 +6770,9 @@
             <a:p>
               <a:pPr algn="ctr"/>
               <a:r>
-                <a:rPr lang="ko-KR" altLang="en-US" dirty="0" smtClean="0"/>
+                <a:rPr lang="ko-KR" altLang="en-US" dirty="0"/>
                 <a:t>레이스</a:t>
               </a:r>
-              <a:endParaRPr lang="ko-KR" altLang="en-US" dirty="0"/>
             </a:p>
           </p:txBody>
         </p:sp>
@@ -6811,18 +6949,13 @@
           <a:p>
             <a:pPr rtl="0"/>
             <a:r>
-              <a:rPr lang="ko-KR" altLang="en-US" b="1" dirty="0" smtClean="0">
+              <a:rPr lang="ko-KR" altLang="en-US" b="1" dirty="0">
                 <a:latin typeface="Malgun Gothic" panose="020B0503020000020004" pitchFamily="50" charset="-127"/>
                 <a:ea typeface="Malgun Gothic" panose="020B0503020000020004" pitchFamily="50" charset="-127"/>
                 <a:sym typeface="Malgun Gothic" panose="020B0503020000020004" pitchFamily="50" charset="-127"/>
               </a:rPr>
               <a:t>개발 일정</a:t>
             </a:r>
-            <a:endParaRPr lang="ko-KR" altLang="en-US" b="1" dirty="0">
-              <a:latin typeface="Malgun Gothic" panose="020B0503020000020004" pitchFamily="50" charset="-127"/>
-              <a:ea typeface="Malgun Gothic" panose="020B0503020000020004" pitchFamily="50" charset="-127"/>
-              <a:sym typeface="Malgun Gothic" panose="020B0503020000020004" pitchFamily="50" charset="-127"/>
-            </a:endParaRPr>
           </a:p>
         </p:txBody>
       </p:sp>
@@ -6930,15 +7063,15 @@
                     <a:p>
                       <a:pPr algn="r" latinLnBrk="1"/>
                       <a:r>
-                        <a:rPr lang="ko-KR" altLang="en-US" sz="1600" dirty="0" smtClean="0"/>
+                        <a:rPr lang="ko-KR" altLang="en-US" sz="1600" dirty="0"/>
                         <a:t>주차</a:t>
                       </a:r>
-                      <a:endParaRPr lang="en-US" altLang="ko-KR" sz="1600" dirty="0" smtClean="0"/>
+                      <a:endParaRPr lang="en-US" altLang="ko-KR" sz="1600" dirty="0"/>
                     </a:p>
                     <a:p>
                       <a:pPr latinLnBrk="1"/>
                       <a:r>
-                        <a:rPr lang="ko-KR" altLang="en-US" sz="1600" dirty="0" smtClean="0"/>
+                        <a:rPr lang="ko-KR" altLang="en-US" sz="1600" dirty="0"/>
                         <a:t>일정</a:t>
                       </a:r>
                       <a:endParaRPr lang="ko-KR" altLang="en-US" sz="1600" b="1" dirty="0"/>
@@ -6953,7 +7086,7 @@
                     <a:p>
                       <a:pPr latinLnBrk="1"/>
                       <a:r>
-                        <a:rPr lang="en-US" altLang="ko-KR" sz="1600" dirty="0" smtClean="0"/>
+                        <a:rPr lang="en-US" altLang="ko-KR" sz="1600" dirty="0"/>
                         <a:t>1</a:t>
                       </a:r>
                       <a:endParaRPr lang="ko-KR" altLang="en-US" sz="1600" b="1" dirty="0"/>
@@ -6968,7 +7101,7 @@
                     <a:p>
                       <a:pPr latinLnBrk="1"/>
                       <a:r>
-                        <a:rPr lang="en-US" altLang="ko-KR" sz="1600" dirty="0" smtClean="0"/>
+                        <a:rPr lang="en-US" altLang="ko-KR" sz="1600" dirty="0"/>
                         <a:t>2</a:t>
                       </a:r>
                       <a:endParaRPr lang="ko-KR" altLang="en-US" sz="1600" b="1" dirty="0"/>
@@ -6983,7 +7116,7 @@
                     <a:p>
                       <a:pPr latinLnBrk="1"/>
                       <a:r>
-                        <a:rPr lang="en-US" altLang="ko-KR" sz="1600" dirty="0" smtClean="0"/>
+                        <a:rPr lang="en-US" altLang="ko-KR" sz="1600" dirty="0"/>
                         <a:t>3</a:t>
                       </a:r>
                       <a:endParaRPr lang="ko-KR" altLang="en-US" sz="1600" b="1" dirty="0"/>
@@ -6998,7 +7131,7 @@
                     <a:p>
                       <a:pPr latinLnBrk="1"/>
                       <a:r>
-                        <a:rPr lang="en-US" altLang="ko-KR" sz="1600" dirty="0" smtClean="0"/>
+                        <a:rPr lang="en-US" altLang="ko-KR" sz="1600" dirty="0"/>
                         <a:t>4</a:t>
                       </a:r>
                       <a:endParaRPr lang="ko-KR" altLang="en-US" sz="1600" b="1" dirty="0"/>
@@ -7013,7 +7146,7 @@
                     <a:p>
                       <a:pPr latinLnBrk="1"/>
                       <a:r>
-                        <a:rPr lang="en-US" altLang="ko-KR" sz="1600" dirty="0" smtClean="0"/>
+                        <a:rPr lang="en-US" altLang="ko-KR" sz="1600" dirty="0"/>
                         <a:t>5</a:t>
                       </a:r>
                       <a:endParaRPr lang="ko-KR" altLang="en-US" sz="1600" b="1" dirty="0"/>
@@ -7028,7 +7161,7 @@
                     <a:p>
                       <a:pPr latinLnBrk="1"/>
                       <a:r>
-                        <a:rPr lang="en-US" altLang="ko-KR" sz="1600" dirty="0" smtClean="0"/>
+                        <a:rPr lang="en-US" altLang="ko-KR" sz="1600" dirty="0"/>
                         <a:t>6</a:t>
                       </a:r>
                       <a:endParaRPr lang="ko-KR" altLang="en-US" sz="1600" b="1" dirty="0"/>
@@ -7043,7 +7176,7 @@
                     <a:p>
                       <a:pPr latinLnBrk="1"/>
                       <a:r>
-                        <a:rPr lang="en-US" altLang="ko-KR" sz="1600" dirty="0" smtClean="0"/>
+                        <a:rPr lang="en-US" altLang="ko-KR" sz="1600" dirty="0"/>
                         <a:t>7</a:t>
                       </a:r>
                       <a:endParaRPr lang="ko-KR" altLang="en-US" sz="1600" b="1" dirty="0"/>
@@ -7058,7 +7191,7 @@
                     <a:p>
                       <a:pPr latinLnBrk="1"/>
                       <a:r>
-                        <a:rPr lang="en-US" altLang="ko-KR" sz="1600" dirty="0" smtClean="0"/>
+                        <a:rPr lang="en-US" altLang="ko-KR" sz="1600" dirty="0"/>
                         <a:t>8</a:t>
                       </a:r>
                       <a:endParaRPr lang="ko-KR" altLang="en-US" sz="1600" b="1" dirty="0"/>
@@ -7073,7 +7206,7 @@
                     <a:p>
                       <a:pPr latinLnBrk="1"/>
                       <a:r>
-                        <a:rPr lang="en-US" altLang="ko-KR" sz="1600" dirty="0" smtClean="0"/>
+                        <a:rPr lang="en-US" altLang="ko-KR" sz="1600" dirty="0"/>
                         <a:t>9</a:t>
                       </a:r>
                       <a:endParaRPr lang="ko-KR" altLang="en-US" sz="1600" b="1" dirty="0"/>
@@ -7095,7 +7228,7 @@
                     <a:p>
                       <a:pPr latinLnBrk="1"/>
                       <a:r>
-                        <a:rPr lang="ko-KR" altLang="en-US" sz="1600" dirty="0" smtClean="0"/>
+                        <a:rPr lang="ko-KR" altLang="en-US" sz="1600" dirty="0"/>
                         <a:t>계획 및 설계</a:t>
                       </a:r>
                       <a:endParaRPr lang="ko-KR" altLang="en-US" sz="1600" b="1" dirty="0"/>
@@ -7216,23 +7349,23 @@
                     <a:p>
                       <a:pPr latinLnBrk="1"/>
                       <a:r>
-                        <a:rPr lang="ko-KR" altLang="en-US" sz="1600" dirty="0" smtClean="0"/>
+                        <a:rPr lang="ko-KR" altLang="en-US" sz="1600" dirty="0"/>
                         <a:t>리소스 수집</a:t>
                       </a:r>
                       <a:r>
-                        <a:rPr lang="en-US" altLang="ko-KR" sz="1600" baseline="0" dirty="0" smtClean="0"/>
+                        <a:rPr lang="en-US" altLang="ko-KR" sz="1600" baseline="0" dirty="0"/>
                         <a:t> </a:t>
                       </a:r>
                       <a:r>
-                        <a:rPr lang="ko-KR" altLang="en-US" sz="1600" baseline="0" dirty="0" smtClean="0"/>
+                        <a:rPr lang="ko-KR" altLang="en-US" sz="1600" baseline="0" dirty="0"/>
                         <a:t>및 </a:t>
                       </a:r>
                       <a:r>
-                        <a:rPr lang="ko-KR" altLang="en-US" sz="1600" baseline="0" dirty="0" err="1" smtClean="0"/>
+                        <a:rPr lang="ko-KR" altLang="en-US" sz="1600" baseline="0" dirty="0" err="1"/>
                         <a:t>상태전환</a:t>
                       </a:r>
                       <a:r>
-                        <a:rPr lang="ko-KR" altLang="en-US" sz="1600" baseline="0" dirty="0" smtClean="0"/>
+                        <a:rPr lang="ko-KR" altLang="en-US" sz="1600" baseline="0" dirty="0"/>
                         <a:t> 구현</a:t>
                       </a:r>
                       <a:endParaRPr lang="ko-KR" altLang="en-US" sz="1600" b="1" dirty="0"/>
@@ -7353,7 +7486,7 @@
                     <a:p>
                       <a:pPr latinLnBrk="1"/>
                       <a:r>
-                        <a:rPr lang="ko-KR" altLang="en-US" sz="1600" dirty="0" smtClean="0"/>
+                        <a:rPr lang="ko-KR" altLang="en-US" sz="1600" dirty="0"/>
                         <a:t>게임 핵심기능 구현 및 테스트</a:t>
                       </a:r>
                       <a:endParaRPr lang="ko-KR" altLang="en-US" sz="1600" b="1" dirty="0"/>
@@ -7474,7 +7607,7 @@
                     <a:p>
                       <a:pPr latinLnBrk="1"/>
                       <a:r>
-                        <a:rPr lang="ko-KR" altLang="en-US" sz="1600" dirty="0" smtClean="0"/>
+                        <a:rPr lang="ko-KR" altLang="en-US" sz="1600" dirty="0"/>
                         <a:t>다양한 이미지 시트  및 효과 적용</a:t>
                       </a:r>
                       <a:endParaRPr lang="ko-KR" altLang="en-US" sz="1600" b="1" dirty="0"/>
@@ -7595,7 +7728,7 @@
                     <a:p>
                       <a:pPr latinLnBrk="1"/>
                       <a:r>
-                        <a:rPr lang="ko-KR" altLang="en-US" sz="1600" dirty="0" smtClean="0"/>
+                        <a:rPr lang="ko-KR" altLang="en-US" sz="1600" dirty="0"/>
                         <a:t>고급 기능 구현 및 최종 테스트</a:t>
                       </a:r>
                       <a:endParaRPr lang="ko-KR" altLang="en-US" sz="1600" b="1" dirty="0"/>
@@ -7942,6 +8075,387 @@
           <a:chExt cx="0" cy="0"/>
         </a:xfrm>
       </p:grpSpPr>
+      <p:pic>
+        <p:nvPicPr>
+          <p:cNvPr id="5" name="그림 5" descr="책, 텍스트이(가) 표시된 사진&#10;&#10;매우 높은 신뢰도로 생성된 설명">
+            <a:extLst>
+              <a:ext uri="{FF2B5EF4-FFF2-40B4-BE49-F238E27FC236}">
+                <a16:creationId xmlns:a16="http://schemas.microsoft.com/office/drawing/2014/main" id="{1D676F37-D85E-4C29-A45A-524117C105ED}"/>
+              </a:ext>
+            </a:extLst>
+          </p:cNvPr>
+          <p:cNvPicPr>
+            <a:picLocks noChangeAspect="1"/>
+          </p:cNvPicPr>
+          <p:nvPr/>
+        </p:nvPicPr>
+        <p:blipFill>
+          <a:blip r:embed="rId2"/>
+          <a:stretch>
+            <a:fillRect/>
+          </a:stretch>
+        </p:blipFill>
+        <p:spPr>
+          <a:xfrm>
+            <a:off x="3067050" y="1909089"/>
+            <a:ext cx="5286375" cy="4087572"/>
+          </a:xfrm>
+          <a:prstGeom prst="rect">
+            <a:avLst/>
+          </a:prstGeom>
+        </p:spPr>
+      </p:pic>
+      <p:sp>
+        <p:nvSpPr>
+          <p:cNvPr id="11" name="TextBox 10">
+            <a:extLst>
+              <a:ext uri="{FF2B5EF4-FFF2-40B4-BE49-F238E27FC236}">
+                <a16:creationId xmlns:a16="http://schemas.microsoft.com/office/drawing/2014/main" id="{A6DF5E5E-612B-4496-8C6C-EE057B571A34}"/>
+              </a:ext>
+            </a:extLst>
+          </p:cNvPr>
+          <p:cNvSpPr txBox="1"/>
+          <p:nvPr/>
+        </p:nvSpPr>
+        <p:spPr>
+          <a:xfrm>
+            <a:off x="-104775" y="800100"/>
+            <a:ext cx="4057650" cy="584775"/>
+          </a:xfrm>
+          <a:prstGeom prst="rect">
+            <a:avLst/>
+          </a:prstGeom>
+        </p:spPr>
+        <p:txBody>
+          <a:bodyPr rot="0" spcFirstLastPara="0" vertOverflow="overflow" horzOverflow="overflow" vert="horz" wrap="square" lIns="91440" tIns="45720" rIns="91440" bIns="45720" numCol="1" spcCol="0" rtlCol="0" fromWordArt="0" anchor="t" anchorCtr="0" forceAA="0" compatLnSpc="1">
+            <a:prstTxWarp prst="textNoShape">
+              <a:avLst/>
+            </a:prstTxWarp>
+            <a:spAutoFit/>
+          </a:bodyPr>
+          <a:lstStyle/>
+          <a:p>
+            <a:pPr algn="ctr"/>
+            <a:r>
+              <a:rPr lang="ko-KR" altLang="en-US" sz="3200" b="1" dirty="0"/>
+              <a:t>개발 현황</a:t>
+            </a:r>
+          </a:p>
+        </p:txBody>
+      </p:sp>
+      <p:sp>
+        <p:nvSpPr>
+          <p:cNvPr id="14" name="제목 1">
+            <a:extLst>
+              <a:ext uri="{FF2B5EF4-FFF2-40B4-BE49-F238E27FC236}">
+                <a16:creationId xmlns:a16="http://schemas.microsoft.com/office/drawing/2014/main" id="{D16FA59E-1893-4C45-B8E8-1668C0479900}"/>
+              </a:ext>
+            </a:extLst>
+          </p:cNvPr>
+          <p:cNvSpPr>
+            <a:spLocks noGrp="1"/>
+          </p:cNvSpPr>
+          <p:nvPr>
+            <p:ph type="title"/>
+          </p:nvPr>
+        </p:nvSpPr>
+        <p:spPr>
+          <a:xfrm>
+            <a:off x="8837612" y="2277477"/>
+            <a:ext cx="2743201" cy="2322178"/>
+          </a:xfrm>
+        </p:spPr>
+        <p:txBody>
+          <a:bodyPr/>
+          <a:lstStyle/>
+          <a:p>
+            <a:r>
+              <a:rPr lang="ko-KR" altLang="en-US" dirty="0"/>
+              <a:t>타이틀 화면</a:t>
+            </a:r>
+          </a:p>
+        </p:txBody>
+      </p:sp>
+    </p:spTree>
+    <p:extLst>
+      <p:ext uri="{BB962C8B-B14F-4D97-AF65-F5344CB8AC3E}">
+        <p14:creationId xmlns:p14="http://schemas.microsoft.com/office/powerpoint/2010/main" val="1804497974"/>
+      </p:ext>
+    </p:extLst>
+  </p:cSld>
+  <p:clrMapOvr>
+    <a:masterClrMapping/>
+  </p:clrMapOvr>
+</p:sld>
+</file>
+
+<file path=ppt/slides/slide7.xml><?xml version="1.0" encoding="utf-8"?>
+<p:sld xmlns:a="http://schemas.openxmlformats.org/drawingml/2006/main" xmlns:r="http://schemas.openxmlformats.org/officeDocument/2006/relationships" xmlns:p="http://schemas.openxmlformats.org/presentationml/2006/main">
+  <p:cSld>
+    <p:spTree>
+      <p:nvGrpSpPr>
+        <p:cNvPr id="1" name=""/>
+        <p:cNvGrpSpPr/>
+        <p:nvPr/>
+      </p:nvGrpSpPr>
+      <p:grpSpPr>
+        <a:xfrm>
+          <a:off x="0" y="0"/>
+          <a:ext cx="0" cy="0"/>
+          <a:chOff x="0" y="0"/>
+          <a:chExt cx="0" cy="0"/>
+        </a:xfrm>
+      </p:grpSpPr>
+      <p:sp>
+        <p:nvSpPr>
+          <p:cNvPr id="2" name="제목 1">
+            <a:extLst>
+              <a:ext uri="{FF2B5EF4-FFF2-40B4-BE49-F238E27FC236}">
+                <a16:creationId xmlns:a16="http://schemas.microsoft.com/office/drawing/2014/main" id="{314A72D1-5D55-4C3A-AD59-17BB8C1D2EFA}"/>
+              </a:ext>
+            </a:extLst>
+          </p:cNvPr>
+          <p:cNvSpPr>
+            <a:spLocks noGrp="1"/>
+          </p:cNvSpPr>
+          <p:nvPr>
+            <p:ph type="title"/>
+          </p:nvPr>
+        </p:nvSpPr>
+        <p:spPr>
+          <a:xfrm>
+            <a:off x="9151937" y="1734552"/>
+            <a:ext cx="2743201" cy="2322178"/>
+          </a:xfrm>
+        </p:spPr>
+        <p:txBody>
+          <a:bodyPr/>
+          <a:lstStyle/>
+          <a:p>
+            <a:r>
+              <a:rPr lang="ko-KR" altLang="en-US" dirty="0"/>
+              <a:t>차고 화면</a:t>
+            </a:r>
+          </a:p>
+        </p:txBody>
+      </p:sp>
+      <p:pic>
+        <p:nvPicPr>
+          <p:cNvPr id="5" name="그림 5" descr="스크린샷이(가) 표시된 사진&#10;&#10;높은 신뢰도로 생성된 설명">
+            <a:extLst>
+              <a:ext uri="{FF2B5EF4-FFF2-40B4-BE49-F238E27FC236}">
+                <a16:creationId xmlns:a16="http://schemas.microsoft.com/office/drawing/2014/main" id="{077EC9AA-D9A8-4BAC-A627-BF3BFBF38A3C}"/>
+              </a:ext>
+            </a:extLst>
+          </p:cNvPr>
+          <p:cNvPicPr>
+            <a:picLocks noGrp="1" noChangeAspect="1"/>
+          </p:cNvPicPr>
+          <p:nvPr>
+            <p:ph idx="1"/>
+          </p:nvPr>
+        </p:nvPicPr>
+        <p:blipFill>
+          <a:blip r:embed="rId2"/>
+          <a:stretch>
+            <a:fillRect/>
+          </a:stretch>
+        </p:blipFill>
+        <p:spPr>
+          <a:xfrm>
+            <a:off x="2293938" y="1438275"/>
+            <a:ext cx="5400675" cy="4276725"/>
+          </a:xfrm>
+          <a:prstGeom prst="rect">
+            <a:avLst/>
+          </a:prstGeom>
+        </p:spPr>
+      </p:pic>
+      <p:sp>
+        <p:nvSpPr>
+          <p:cNvPr id="4" name="텍스트 개체 틀 3">
+            <a:extLst>
+              <a:ext uri="{FF2B5EF4-FFF2-40B4-BE49-F238E27FC236}">
+                <a16:creationId xmlns:a16="http://schemas.microsoft.com/office/drawing/2014/main" id="{4D74452B-1945-4F13-8805-95627CD6869B}"/>
+              </a:ext>
+            </a:extLst>
+          </p:cNvPr>
+          <p:cNvSpPr>
+            <a:spLocks noGrp="1"/>
+          </p:cNvSpPr>
+          <p:nvPr>
+            <p:ph type="body" sz="half" idx="2"/>
+          </p:nvPr>
+        </p:nvSpPr>
+        <p:spPr/>
+        <p:txBody>
+          <a:bodyPr vert="horz" lIns="91440" tIns="45720" rIns="91440" bIns="45720" rtlCol="0" anchor="t">
+            <a:normAutofit/>
+          </a:bodyPr>
+          <a:lstStyle/>
+          <a:p>
+            <a:r>
+              <a:rPr lang="ko-KR" altLang="en-US" dirty="0"/>
+              <a:t>차량 선택 기능 추가 예정</a:t>
+            </a:r>
+          </a:p>
+        </p:txBody>
+      </p:sp>
+    </p:spTree>
+    <p:extLst>
+      <p:ext uri="{BB962C8B-B14F-4D97-AF65-F5344CB8AC3E}">
+        <p14:creationId xmlns:p14="http://schemas.microsoft.com/office/powerpoint/2010/main" val="3568632175"/>
+      </p:ext>
+    </p:extLst>
+  </p:cSld>
+  <p:clrMapOvr>
+    <a:masterClrMapping/>
+  </p:clrMapOvr>
+</p:sld>
+</file>
+
+<file path=ppt/slides/slide8.xml><?xml version="1.0" encoding="utf-8"?>
+<p:sld xmlns:a="http://schemas.openxmlformats.org/drawingml/2006/main" xmlns:r="http://schemas.openxmlformats.org/officeDocument/2006/relationships" xmlns:p="http://schemas.openxmlformats.org/presentationml/2006/main">
+  <p:cSld>
+    <p:spTree>
+      <p:nvGrpSpPr>
+        <p:cNvPr id="1" name=""/>
+        <p:cNvGrpSpPr/>
+        <p:nvPr/>
+      </p:nvGrpSpPr>
+      <p:grpSpPr>
+        <a:xfrm>
+          <a:off x="0" y="0"/>
+          <a:ext cx="0" cy="0"/>
+          <a:chOff x="0" y="0"/>
+          <a:chExt cx="0" cy="0"/>
+        </a:xfrm>
+      </p:grpSpPr>
+      <p:sp>
+        <p:nvSpPr>
+          <p:cNvPr id="2" name="제목 1">
+            <a:extLst>
+              <a:ext uri="{FF2B5EF4-FFF2-40B4-BE49-F238E27FC236}">
+                <a16:creationId xmlns:a16="http://schemas.microsoft.com/office/drawing/2014/main" id="{A296DD4C-2660-4076-AF82-36115007F994}"/>
+              </a:ext>
+            </a:extLst>
+          </p:cNvPr>
+          <p:cNvSpPr>
+            <a:spLocks noGrp="1"/>
+          </p:cNvSpPr>
+          <p:nvPr>
+            <p:ph type="title"/>
+          </p:nvPr>
+        </p:nvSpPr>
+        <p:spPr>
+          <a:xfrm>
+            <a:off x="8837612" y="1163052"/>
+            <a:ext cx="2743201" cy="2322178"/>
+          </a:xfrm>
+        </p:spPr>
+        <p:txBody>
+          <a:bodyPr/>
+          <a:lstStyle/>
+          <a:p>
+            <a:r>
+              <a:rPr lang="ko-KR" altLang="en-US" dirty="0"/>
+              <a:t>레이스 화면</a:t>
+            </a:r>
+          </a:p>
+        </p:txBody>
+      </p:sp>
+      <p:pic>
+        <p:nvPicPr>
+          <p:cNvPr id="5" name="그림 5">
+            <a:extLst>
+              <a:ext uri="{FF2B5EF4-FFF2-40B4-BE49-F238E27FC236}">
+                <a16:creationId xmlns:a16="http://schemas.microsoft.com/office/drawing/2014/main" id="{F4A07BCB-89AA-4601-AC37-ED3B0361CED6}"/>
+              </a:ext>
+            </a:extLst>
+          </p:cNvPr>
+          <p:cNvPicPr>
+            <a:picLocks noGrp="1" noChangeAspect="1"/>
+          </p:cNvPicPr>
+          <p:nvPr>
+            <p:ph idx="1"/>
+          </p:nvPr>
+        </p:nvPicPr>
+        <p:blipFill>
+          <a:blip r:embed="rId2"/>
+          <a:stretch>
+            <a:fillRect/>
+          </a:stretch>
+        </p:blipFill>
+        <p:spPr>
+          <a:xfrm>
+            <a:off x="2051051" y="1238250"/>
+            <a:ext cx="5915025" cy="4714875"/>
+          </a:xfrm>
+          <a:prstGeom prst="rect">
+            <a:avLst/>
+          </a:prstGeom>
+        </p:spPr>
+      </p:pic>
+      <p:sp>
+        <p:nvSpPr>
+          <p:cNvPr id="4" name="텍스트 개체 틀 3">
+            <a:extLst>
+              <a:ext uri="{FF2B5EF4-FFF2-40B4-BE49-F238E27FC236}">
+                <a16:creationId xmlns:a16="http://schemas.microsoft.com/office/drawing/2014/main" id="{798A9D1B-A604-47C1-84E5-AD5702EB7577}"/>
+              </a:ext>
+            </a:extLst>
+          </p:cNvPr>
+          <p:cNvSpPr>
+            <a:spLocks noGrp="1"/>
+          </p:cNvSpPr>
+          <p:nvPr>
+            <p:ph type="body" sz="half" idx="2"/>
+          </p:nvPr>
+        </p:nvSpPr>
+        <p:spPr/>
+        <p:txBody>
+          <a:bodyPr vert="horz" lIns="91440" tIns="45720" rIns="91440" bIns="45720" rtlCol="0" anchor="t">
+            <a:normAutofit/>
+          </a:bodyPr>
+          <a:lstStyle/>
+          <a:p>
+            <a:r>
+              <a:rPr lang="ko-KR" altLang="en-US" dirty="0"/>
+              <a:t>속도, 가속도, 좌우 움직임 구현</a:t>
+            </a:r>
+          </a:p>
+        </p:txBody>
+      </p:sp>
+    </p:spTree>
+    <p:extLst>
+      <p:ext uri="{BB962C8B-B14F-4D97-AF65-F5344CB8AC3E}">
+        <p14:creationId xmlns:p14="http://schemas.microsoft.com/office/powerpoint/2010/main" val="3202792734"/>
+      </p:ext>
+    </p:extLst>
+  </p:cSld>
+  <p:clrMapOvr>
+    <a:masterClrMapping/>
+  </p:clrMapOvr>
+</p:sld>
+</file>
+
+<file path=ppt/slides/slide9.xml><?xml version="1.0" encoding="utf-8"?>
+<p:sld xmlns:a="http://schemas.openxmlformats.org/drawingml/2006/main" xmlns:r="http://schemas.openxmlformats.org/officeDocument/2006/relationships" xmlns:p="http://schemas.openxmlformats.org/presentationml/2006/main">
+  <p:cSld>
+    <p:spTree>
+      <p:nvGrpSpPr>
+        <p:cNvPr id="1" name=""/>
+        <p:cNvGrpSpPr/>
+        <p:nvPr/>
+      </p:nvGrpSpPr>
+      <p:grpSpPr>
+        <a:xfrm>
+          <a:off x="0" y="0"/>
+          <a:ext cx="0" cy="0"/>
+          <a:chOff x="0" y="0"/>
+          <a:chExt cx="0" cy="0"/>
+        </a:xfrm>
+      </p:grpSpPr>
       <p:sp>
         <p:nvSpPr>
           <p:cNvPr id="4" name="텍스트 개체 틀 3"/>
@@ -7966,7 +8480,7 @@
           <a:p>
             <a:pPr rtl="0"/>
             <a:r>
-              <a:rPr lang="ko-KR" altLang="en-US" sz="5400" dirty="0" smtClean="0">
+              <a:rPr lang="ko-KR" altLang="en-US" sz="5400" dirty="0">
                 <a:latin typeface="Malgun Gothic" panose="020B0503020000020004" pitchFamily="50" charset="-127"/>
                 <a:ea typeface="Malgun Gothic" panose="020B0503020000020004" pitchFamily="50" charset="-127"/>
                 <a:sym typeface="Malgun Gothic" panose="020B0503020000020004" pitchFamily="50" charset="-127"/>
@@ -7974,7 +8488,7 @@
               <a:t>감사합니다</a:t>
             </a:r>
             <a:r>
-              <a:rPr lang="en-US" altLang="ko-KR" sz="5400" dirty="0" smtClean="0">
+              <a:rPr lang="en-US" altLang="ko-KR" sz="5400" dirty="0">
                 <a:latin typeface="Malgun Gothic" panose="020B0503020000020004" pitchFamily="50" charset="-127"/>
                 <a:ea typeface="Malgun Gothic" panose="020B0503020000020004" pitchFamily="50" charset="-127"/>
                 <a:sym typeface="Malgun Gothic" panose="020B0503020000020004" pitchFamily="50" charset="-127"/>
@@ -7985,7 +8499,7 @@
           <a:p>
             <a:pPr rtl="0"/>
             <a:r>
-              <a:rPr lang="en-US" altLang="ko-KR" sz="800" dirty="0" smtClean="0">
+              <a:rPr lang="en-US" altLang="ko-KR" sz="800" dirty="0">
                 <a:latin typeface="Malgun Gothic" panose="020B0503020000020004" pitchFamily="50" charset="-127"/>
                 <a:ea typeface="Malgun Gothic" panose="020B0503020000020004" pitchFamily="50" charset="-127"/>
                 <a:sym typeface="Malgun Gothic" panose="020B0503020000020004" pitchFamily="50" charset="-127"/>
